--- a/ppt/Python20-Math.pptx
+++ b/ppt/Python20-Math.pptx
@@ -615,35 +615,35 @@
           <a:p>
             <a:pPr lvl="0"/>
             <a:r>
-              <a:rPr lang="fr-FR" noProof="0" smtClean="0"/>
+              <a:rPr lang="fr-FR" noProof="0"/>
               <a:t>Cliquez pour modifier les styles du texte du masque</a:t>
             </a:r>
           </a:p>
           <a:p>
             <a:pPr lvl="1"/>
             <a:r>
-              <a:rPr lang="fr-FR" noProof="0" smtClean="0"/>
+              <a:rPr lang="fr-FR" noProof="0"/>
               <a:t>Deuxième niveau</a:t>
             </a:r>
           </a:p>
           <a:p>
             <a:pPr lvl="2"/>
             <a:r>
-              <a:rPr lang="fr-FR" noProof="0" smtClean="0"/>
+              <a:rPr lang="fr-FR" noProof="0"/>
               <a:t>Troisième niveau</a:t>
             </a:r>
           </a:p>
           <a:p>
             <a:pPr lvl="3"/>
             <a:r>
-              <a:rPr lang="fr-FR" noProof="0" smtClean="0"/>
+              <a:rPr lang="fr-FR" noProof="0"/>
               <a:t>Quatrième niveau</a:t>
             </a:r>
           </a:p>
           <a:p>
             <a:pPr lvl="4"/>
             <a:r>
-              <a:rPr lang="fr-FR" noProof="0" smtClean="0"/>
+              <a:rPr lang="fr-FR" noProof="0"/>
               <a:t>Cinquième niveau</a:t>
             </a:r>
           </a:p>
@@ -931,10 +931,9 @@
           <a:lstStyle/>
           <a:p>
             <a:r>
-              <a:rPr lang="fr-FR" smtClean="0"/>
+              <a:rPr lang="fr-FR"/>
               <a:t>Cliquez pour modifier le style du titre</a:t>
             </a:r>
-            <a:endParaRPr lang="fr-FR"/>
           </a:p>
         </p:txBody>
       </p:sp>
@@ -996,10 +995,9 @@
           </a:lstStyle>
           <a:p>
             <a:r>
-              <a:rPr lang="fr-FR" smtClean="0"/>
+              <a:rPr lang="fr-FR"/>
               <a:t>Cliquez pour modifier le style des sous-titres du masque</a:t>
             </a:r>
-            <a:endParaRPr lang="fr-FR"/>
           </a:p>
         </p:txBody>
       </p:sp>
@@ -1054,10 +1052,9 @@
           <a:lstStyle/>
           <a:p>
             <a:r>
-              <a:rPr lang="fr-FR" smtClean="0"/>
+              <a:rPr lang="fr-FR"/>
               <a:t>Cliquez pour modifier le style du titre</a:t>
             </a:r>
-            <a:endParaRPr lang="fr-FR"/>
           </a:p>
         </p:txBody>
       </p:sp>
@@ -1083,38 +1080,37 @@
           <a:p>
             <a:pPr lvl="0"/>
             <a:r>
-              <a:rPr lang="fr-FR" smtClean="0"/>
+              <a:rPr lang="fr-FR"/>
               <a:t>Cliquez pour modifier les styles du texte du masque</a:t>
             </a:r>
           </a:p>
           <a:p>
             <a:pPr lvl="1"/>
             <a:r>
-              <a:rPr lang="fr-FR" smtClean="0"/>
+              <a:rPr lang="fr-FR"/>
               <a:t>Deuxième niveau</a:t>
             </a:r>
           </a:p>
           <a:p>
             <a:pPr lvl="2"/>
             <a:r>
-              <a:rPr lang="fr-FR" smtClean="0"/>
+              <a:rPr lang="fr-FR"/>
               <a:t>Troisième niveau</a:t>
             </a:r>
           </a:p>
           <a:p>
             <a:pPr lvl="3"/>
             <a:r>
-              <a:rPr lang="fr-FR" smtClean="0"/>
+              <a:rPr lang="fr-FR"/>
               <a:t>Quatrième niveau</a:t>
             </a:r>
           </a:p>
           <a:p>
             <a:pPr lvl="4"/>
             <a:r>
-              <a:rPr lang="fr-FR" smtClean="0"/>
+              <a:rPr lang="fr-FR"/>
               <a:t>Cinquième niveau</a:t>
             </a:r>
-            <a:endParaRPr lang="fr-FR"/>
           </a:p>
         </p:txBody>
       </p:sp>
@@ -1173,10 +1169,9 @@
           </a:lstStyle>
           <a:p>
             <a:r>
-              <a:rPr lang="fr-FR" dirty="0" smtClean="0"/>
+              <a:rPr lang="fr-FR" dirty="0"/>
               <a:t>Cliquez pour modifier le style du titre</a:t>
             </a:r>
-            <a:endParaRPr lang="fr-FR" dirty="0"/>
           </a:p>
         </p:txBody>
       </p:sp>
@@ -1202,38 +1197,37 @@
           <a:p>
             <a:pPr lvl="0"/>
             <a:r>
-              <a:rPr lang="fr-FR" dirty="0" smtClean="0"/>
+              <a:rPr lang="fr-FR" dirty="0"/>
               <a:t>Cliquez pour modifier les styles du texte du masque</a:t>
             </a:r>
           </a:p>
           <a:p>
             <a:pPr lvl="1"/>
             <a:r>
-              <a:rPr lang="fr-FR" dirty="0" smtClean="0"/>
+              <a:rPr lang="fr-FR" dirty="0"/>
               <a:t>Deuxième niveau</a:t>
             </a:r>
           </a:p>
           <a:p>
             <a:pPr lvl="2"/>
             <a:r>
-              <a:rPr lang="fr-FR" dirty="0" smtClean="0"/>
+              <a:rPr lang="fr-FR" dirty="0"/>
               <a:t>Troisième niveau</a:t>
             </a:r>
           </a:p>
           <a:p>
             <a:pPr lvl="3"/>
             <a:r>
-              <a:rPr lang="fr-FR" dirty="0" smtClean="0"/>
+              <a:rPr lang="fr-FR" dirty="0"/>
               <a:t>Quatrième niveau</a:t>
             </a:r>
           </a:p>
           <a:p>
             <a:pPr lvl="4"/>
             <a:r>
-              <a:rPr lang="fr-FR" dirty="0" smtClean="0"/>
+              <a:rPr lang="fr-FR" dirty="0"/>
               <a:t>Cinquième niveau</a:t>
             </a:r>
-            <a:endParaRPr lang="fr-FR" dirty="0"/>
           </a:p>
         </p:txBody>
       </p:sp>
@@ -1283,10 +1277,9 @@
           <a:lstStyle/>
           <a:p>
             <a:r>
-              <a:rPr lang="fr-FR" smtClean="0"/>
+              <a:rPr lang="fr-FR"/>
               <a:t>Cliquez pour modifier le style du titre</a:t>
             </a:r>
-            <a:endParaRPr lang="fr-FR"/>
           </a:p>
         </p:txBody>
       </p:sp>
@@ -1340,38 +1333,37 @@
           <a:p>
             <a:pPr lvl="0"/>
             <a:r>
-              <a:rPr lang="fr-FR" smtClean="0"/>
+              <a:rPr lang="fr-FR"/>
               <a:t>Cliquez pour modifier les styles du texte du masque</a:t>
             </a:r>
           </a:p>
           <a:p>
             <a:pPr lvl="1"/>
             <a:r>
-              <a:rPr lang="fr-FR" smtClean="0"/>
+              <a:rPr lang="fr-FR"/>
               <a:t>Deuxième niveau</a:t>
             </a:r>
           </a:p>
           <a:p>
             <a:pPr lvl="2"/>
             <a:r>
-              <a:rPr lang="fr-FR" smtClean="0"/>
+              <a:rPr lang="fr-FR"/>
               <a:t>Troisième niveau</a:t>
             </a:r>
           </a:p>
           <a:p>
             <a:pPr lvl="3"/>
             <a:r>
-              <a:rPr lang="fr-FR" smtClean="0"/>
+              <a:rPr lang="fr-FR"/>
               <a:t>Quatrième niveau</a:t>
             </a:r>
           </a:p>
           <a:p>
             <a:pPr lvl="4"/>
             <a:r>
-              <a:rPr lang="fr-FR" smtClean="0"/>
+              <a:rPr lang="fr-FR"/>
               <a:t>Cinquième niveau</a:t>
             </a:r>
-            <a:endParaRPr lang="fr-FR"/>
           </a:p>
         </p:txBody>
       </p:sp>
@@ -1425,38 +1417,37 @@
           <a:p>
             <a:pPr lvl="0"/>
             <a:r>
-              <a:rPr lang="fr-FR" smtClean="0"/>
+              <a:rPr lang="fr-FR"/>
               <a:t>Cliquez pour modifier les styles du texte du masque</a:t>
             </a:r>
           </a:p>
           <a:p>
             <a:pPr lvl="1"/>
             <a:r>
-              <a:rPr lang="fr-FR" smtClean="0"/>
+              <a:rPr lang="fr-FR"/>
               <a:t>Deuxième niveau</a:t>
             </a:r>
           </a:p>
           <a:p>
             <a:pPr lvl="2"/>
             <a:r>
-              <a:rPr lang="fr-FR" smtClean="0"/>
+              <a:rPr lang="fr-FR"/>
               <a:t>Troisième niveau</a:t>
             </a:r>
           </a:p>
           <a:p>
             <a:pPr lvl="3"/>
             <a:r>
-              <a:rPr lang="fr-FR" smtClean="0"/>
+              <a:rPr lang="fr-FR"/>
               <a:t>Quatrième niveau</a:t>
             </a:r>
           </a:p>
           <a:p>
             <a:pPr lvl="4"/>
             <a:r>
-              <a:rPr lang="fr-FR" smtClean="0"/>
+              <a:rPr lang="fr-FR"/>
               <a:t>Cinquième niveau</a:t>
             </a:r>
-            <a:endParaRPr lang="fr-FR"/>
           </a:p>
         </p:txBody>
       </p:sp>
@@ -1515,10 +1506,9 @@
           </a:lstStyle>
           <a:p>
             <a:r>
-              <a:rPr lang="fr-FR" smtClean="0"/>
+              <a:rPr lang="fr-FR"/>
               <a:t>Cliquez pour modifier le style du titre</a:t>
             </a:r>
-            <a:endParaRPr lang="fr-FR"/>
           </a:p>
         </p:txBody>
       </p:sp>
@@ -1581,7 +1571,7 @@
           <a:p>
             <a:pPr lvl="0"/>
             <a:r>
-              <a:rPr lang="fr-FR" smtClean="0"/>
+              <a:rPr lang="fr-FR"/>
               <a:t>Cliquez pour modifier les styles du texte du masque</a:t>
             </a:r>
           </a:p>
@@ -1637,38 +1627,37 @@
           <a:p>
             <a:pPr lvl="0"/>
             <a:r>
-              <a:rPr lang="fr-FR" smtClean="0"/>
+              <a:rPr lang="fr-FR"/>
               <a:t>Cliquez pour modifier les styles du texte du masque</a:t>
             </a:r>
           </a:p>
           <a:p>
             <a:pPr lvl="1"/>
             <a:r>
-              <a:rPr lang="fr-FR" smtClean="0"/>
+              <a:rPr lang="fr-FR"/>
               <a:t>Deuxième niveau</a:t>
             </a:r>
           </a:p>
           <a:p>
             <a:pPr lvl="2"/>
             <a:r>
-              <a:rPr lang="fr-FR" smtClean="0"/>
+              <a:rPr lang="fr-FR"/>
               <a:t>Troisième niveau</a:t>
             </a:r>
           </a:p>
           <a:p>
             <a:pPr lvl="3"/>
             <a:r>
-              <a:rPr lang="fr-FR" smtClean="0"/>
+              <a:rPr lang="fr-FR"/>
               <a:t>Quatrième niveau</a:t>
             </a:r>
           </a:p>
           <a:p>
             <a:pPr lvl="4"/>
             <a:r>
-              <a:rPr lang="fr-FR" smtClean="0"/>
+              <a:rPr lang="fr-FR"/>
               <a:t>Cinquième niveau</a:t>
             </a:r>
-            <a:endParaRPr lang="fr-FR"/>
           </a:p>
         </p:txBody>
       </p:sp>
@@ -1731,7 +1720,7 @@
           <a:p>
             <a:pPr lvl="0"/>
             <a:r>
-              <a:rPr lang="fr-FR" smtClean="0"/>
+              <a:rPr lang="fr-FR"/>
               <a:t>Cliquez pour modifier les styles du texte du masque</a:t>
             </a:r>
           </a:p>
@@ -1787,38 +1776,37 @@
           <a:p>
             <a:pPr lvl="0"/>
             <a:r>
-              <a:rPr lang="fr-FR" smtClean="0"/>
+              <a:rPr lang="fr-FR"/>
               <a:t>Cliquez pour modifier les styles du texte du masque</a:t>
             </a:r>
           </a:p>
           <a:p>
             <a:pPr lvl="1"/>
             <a:r>
-              <a:rPr lang="fr-FR" smtClean="0"/>
+              <a:rPr lang="fr-FR"/>
               <a:t>Deuxième niveau</a:t>
             </a:r>
           </a:p>
           <a:p>
             <a:pPr lvl="2"/>
             <a:r>
-              <a:rPr lang="fr-FR" smtClean="0"/>
+              <a:rPr lang="fr-FR"/>
               <a:t>Troisième niveau</a:t>
             </a:r>
           </a:p>
           <a:p>
             <a:pPr lvl="3"/>
             <a:r>
-              <a:rPr lang="fr-FR" smtClean="0"/>
+              <a:rPr lang="fr-FR"/>
               <a:t>Quatrième niveau</a:t>
             </a:r>
           </a:p>
           <a:p>
             <a:pPr lvl="4"/>
             <a:r>
-              <a:rPr lang="fr-FR" smtClean="0"/>
+              <a:rPr lang="fr-FR"/>
               <a:t>Cinquième niveau</a:t>
             </a:r>
-            <a:endParaRPr lang="fr-FR"/>
           </a:p>
         </p:txBody>
       </p:sp>
@@ -1868,10 +1856,9 @@
           <a:lstStyle/>
           <a:p>
             <a:r>
-              <a:rPr lang="fr-FR" smtClean="0"/>
+              <a:rPr lang="fr-FR"/>
               <a:t>Cliquez pour modifier le style du titre</a:t>
             </a:r>
-            <a:endParaRPr lang="fr-FR"/>
           </a:p>
         </p:txBody>
       </p:sp>
@@ -1960,10 +1947,9 @@
           </a:lstStyle>
           <a:p>
             <a:r>
-              <a:rPr lang="fr-FR" smtClean="0"/>
+              <a:rPr lang="fr-FR"/>
               <a:t>Cliquez pour modifier le style du titre</a:t>
             </a:r>
-            <a:endParaRPr lang="fr-FR"/>
           </a:p>
         </p:txBody>
       </p:sp>
@@ -2017,38 +2003,37 @@
           <a:p>
             <a:pPr lvl="0"/>
             <a:r>
-              <a:rPr lang="fr-FR" smtClean="0"/>
+              <a:rPr lang="fr-FR"/>
               <a:t>Cliquez pour modifier les styles du texte du masque</a:t>
             </a:r>
           </a:p>
           <a:p>
             <a:pPr lvl="1"/>
             <a:r>
-              <a:rPr lang="fr-FR" smtClean="0"/>
+              <a:rPr lang="fr-FR"/>
               <a:t>Deuxième niveau</a:t>
             </a:r>
           </a:p>
           <a:p>
             <a:pPr lvl="2"/>
             <a:r>
-              <a:rPr lang="fr-FR" smtClean="0"/>
+              <a:rPr lang="fr-FR"/>
               <a:t>Troisième niveau</a:t>
             </a:r>
           </a:p>
           <a:p>
             <a:pPr lvl="3"/>
             <a:r>
-              <a:rPr lang="fr-FR" smtClean="0"/>
+              <a:rPr lang="fr-FR"/>
               <a:t>Quatrième niveau</a:t>
             </a:r>
           </a:p>
           <a:p>
             <a:pPr lvl="4"/>
             <a:r>
-              <a:rPr lang="fr-FR" smtClean="0"/>
+              <a:rPr lang="fr-FR"/>
               <a:t>Cinquième niveau</a:t>
             </a:r>
-            <a:endParaRPr lang="fr-FR"/>
           </a:p>
         </p:txBody>
       </p:sp>
@@ -2111,7 +2096,7 @@
           <a:p>
             <a:pPr lvl="0"/>
             <a:r>
-              <a:rPr lang="fr-FR" smtClean="0"/>
+              <a:rPr lang="fr-FR"/>
               <a:t>Cliquez pour modifier les styles du texte du masque</a:t>
             </a:r>
           </a:p>
@@ -2172,10 +2157,9 @@
           </a:lstStyle>
           <a:p>
             <a:r>
-              <a:rPr lang="fr-FR" smtClean="0"/>
+              <a:rPr lang="fr-FR"/>
               <a:t>Cliquez pour modifier le style du titre</a:t>
             </a:r>
-            <a:endParaRPr lang="fr-FR"/>
           </a:p>
         </p:txBody>
       </p:sp>
@@ -2237,7 +2221,7 @@
           </a:lstStyle>
           <a:p>
             <a:pPr lvl="0"/>
-            <a:endParaRPr lang="fr-FR" noProof="0" smtClean="0"/>
+            <a:endParaRPr lang="fr-FR" noProof="0"/>
           </a:p>
         </p:txBody>
       </p:sp>
@@ -2300,7 +2284,7 @@
           <a:p>
             <a:pPr lvl="0"/>
             <a:r>
-              <a:rPr lang="fr-FR" smtClean="0"/>
+              <a:rPr lang="fr-FR"/>
               <a:t>Cliquez pour modifier les styles du texte du masque</a:t>
             </a:r>
           </a:p>
@@ -2352,10 +2336,9 @@
           <a:lstStyle/>
           <a:p>
             <a:r>
-              <a:rPr lang="fr-FR" smtClean="0"/>
+              <a:rPr lang="fr-FR"/>
               <a:t>Cliquez pour modifier le style du titre</a:t>
             </a:r>
-            <a:endParaRPr lang="fr-FR"/>
           </a:p>
         </p:txBody>
       </p:sp>
@@ -2376,38 +2359,37 @@
           <a:p>
             <a:pPr lvl="0"/>
             <a:r>
-              <a:rPr lang="fr-FR" smtClean="0"/>
+              <a:rPr lang="fr-FR"/>
               <a:t>Cliquez pour modifier les styles du texte du masque</a:t>
             </a:r>
           </a:p>
           <a:p>
             <a:pPr lvl="1"/>
             <a:r>
-              <a:rPr lang="fr-FR" smtClean="0"/>
+              <a:rPr lang="fr-FR"/>
               <a:t>Deuxième niveau</a:t>
             </a:r>
           </a:p>
           <a:p>
             <a:pPr lvl="2"/>
             <a:r>
-              <a:rPr lang="fr-FR" smtClean="0"/>
+              <a:rPr lang="fr-FR"/>
               <a:t>Troisième niveau</a:t>
             </a:r>
           </a:p>
           <a:p>
             <a:pPr lvl="3"/>
             <a:r>
-              <a:rPr lang="fr-FR" smtClean="0"/>
+              <a:rPr lang="fr-FR"/>
               <a:t>Quatrième niveau</a:t>
             </a:r>
           </a:p>
           <a:p>
             <a:pPr lvl="4"/>
             <a:r>
-              <a:rPr lang="fr-FR" smtClean="0"/>
+              <a:rPr lang="fr-FR"/>
               <a:t>Cinquième niveau</a:t>
             </a:r>
-            <a:endParaRPr lang="fr-FR"/>
           </a:p>
         </p:txBody>
       </p:sp>
@@ -2588,7 +2570,7 @@
             <a:pPr eaLnBrk="1" hangingPunct="1">
               <a:defRPr/>
             </a:pPr>
-            <a:endParaRPr lang="fr-FR" altLang="fr-FR" smtClean="0"/>
+            <a:endParaRPr lang="fr-FR" altLang="fr-FR"/>
           </a:p>
         </p:txBody>
       </p:sp>
@@ -2742,7 +2724,7 @@
               <a:defRPr/>
             </a:pPr>
             <a:r>
-              <a:rPr lang="fr-FR" sz="1200" dirty="0" smtClean="0"/>
+              <a:rPr lang="fr-FR" sz="1200" dirty="0"/>
               <a:t>Page </a:t>
             </a:r>
             <a:fld id="{E218E9B1-FD08-4C80-902E-210BA2967D0D}" type="slidenum">
@@ -2755,7 +2737,7 @@
               </a:pPr>
               <a:t>‹N°›</a:t>
             </a:fld>
-            <a:endParaRPr lang="fr-FR" dirty="0" smtClean="0">
+            <a:endParaRPr lang="fr-FR" dirty="0">
               <a:latin typeface="Times New Roman" pitchFamily="18" charset="0"/>
             </a:endParaRPr>
           </a:p>
@@ -2911,10 +2893,10 @@
               <a:defRPr/>
             </a:pPr>
             <a:r>
-              <a:rPr lang="fr-FR" sz="1600" dirty="0" smtClean="0"/>
+              <a:rPr lang="fr-FR" sz="1600" dirty="0"/>
               <a:t>Python</a:t>
             </a:r>
-            <a:endParaRPr lang="fr-FR" dirty="0" smtClean="0">
+            <a:endParaRPr lang="fr-FR" dirty="0">
               <a:latin typeface="Times New Roman" pitchFamily="18" charset="0"/>
             </a:endParaRPr>
           </a:p>
@@ -2972,7 +2954,7 @@
           <a:p>
             <a:pPr lvl="0"/>
             <a:r>
-              <a:rPr lang="fr-FR" altLang="fr-FR" smtClean="0"/>
+              <a:rPr lang="fr-FR" altLang="fr-FR"/>
               <a:t>Cliquez pour modifier le style du titre du masque</a:t>
             </a:r>
           </a:p>
@@ -3030,35 +3012,35 @@
           <a:p>
             <a:pPr lvl="0"/>
             <a:r>
-              <a:rPr lang="fr-FR" altLang="fr-FR" smtClean="0"/>
+              <a:rPr lang="fr-FR" altLang="fr-FR"/>
               <a:t>Cliquez pour modifier les styles du texte du masque</a:t>
             </a:r>
           </a:p>
           <a:p>
             <a:pPr lvl="1"/>
             <a:r>
-              <a:rPr lang="fr-FR" altLang="fr-FR" smtClean="0"/>
+              <a:rPr lang="fr-FR" altLang="fr-FR"/>
               <a:t>Deuxième niveau</a:t>
             </a:r>
           </a:p>
           <a:p>
             <a:pPr lvl="2"/>
             <a:r>
-              <a:rPr lang="fr-FR" altLang="fr-FR" smtClean="0"/>
+              <a:rPr lang="fr-FR" altLang="fr-FR"/>
               <a:t>Troisième niveau</a:t>
             </a:r>
           </a:p>
           <a:p>
             <a:pPr lvl="3"/>
             <a:r>
-              <a:rPr lang="fr-FR" altLang="fr-FR" smtClean="0"/>
+              <a:rPr lang="fr-FR" altLang="fr-FR"/>
               <a:t>Quatrième niveau</a:t>
             </a:r>
           </a:p>
           <a:p>
             <a:pPr lvl="4"/>
             <a:r>
-              <a:rPr lang="fr-FR" altLang="fr-FR" smtClean="0"/>
+              <a:rPr lang="fr-FR" altLang="fr-FR"/>
               <a:t>Cinquième niveau</a:t>
             </a:r>
           </a:p>
@@ -3214,10 +3196,10 @@
               <a:defRPr/>
             </a:pPr>
             <a:r>
-              <a:rPr lang="fr-FR" sz="1200" smtClean="0"/>
+              <a:rPr lang="fr-FR" sz="1200"/>
               <a:t>© Cyril Vincent Conseil</a:t>
             </a:r>
-            <a:endParaRPr lang="fr-FR" smtClean="0">
+            <a:endParaRPr lang="fr-FR">
               <a:latin typeface="Times New Roman" pitchFamily="18" charset="0"/>
             </a:endParaRPr>
           </a:p>
@@ -3699,14 +3681,14 @@
           <a:p>
             <a:pPr eaLnBrk="1" hangingPunct="1"/>
             <a:r>
-              <a:rPr lang="fr-FR" altLang="fr-FR" dirty="0" smtClean="0"/>
+              <a:rPr lang="fr-FR" altLang="fr-FR" dirty="0"/>
               <a:t>Chapitre 20</a:t>
             </a:r>
           </a:p>
           <a:p>
             <a:pPr eaLnBrk="1" hangingPunct="1"/>
             <a:r>
-              <a:rPr lang="fr-FR" altLang="fr-FR" dirty="0" smtClean="0"/>
+              <a:rPr lang="fr-FR" altLang="fr-FR" dirty="0"/>
               <a:t>Math</a:t>
             </a:r>
           </a:p>
@@ -3758,13 +3740,6 @@
   <p:clrMapOvr>
     <a:masterClrMapping/>
   </p:clrMapOvr>
-  <p:timing>
-    <p:tnLst>
-      <p:par>
-        <p:cTn id="1" dur="indefinite" restart="never" nodeType="tmRoot"/>
-      </p:par>
-    </p:tnLst>
-  </p:timing>
 </p:sld>
 </file>
 
@@ -3802,20 +3777,15 @@
           <a:p>
             <a:r>
               <a:rPr lang="fr-FR" dirty="0"/>
-              <a:t>Transformation de </a:t>
-            </a:r>
-            <a:r>
-              <a:rPr lang="fr-FR" dirty="0" smtClean="0"/>
-              <a:t>Fourier</a:t>
+              <a:t>Transformation de Fourier</a:t>
             </a:r>
             <a:br>
-              <a:rPr lang="fr-FR" dirty="0" smtClean="0"/>
+              <a:rPr lang="fr-FR" dirty="0"/>
             </a:br>
             <a:r>
-              <a:rPr lang="fr-FR" dirty="0" smtClean="0"/>
+              <a:rPr lang="fr-FR" dirty="0"/>
               <a:t>Exemple simple</a:t>
             </a:r>
-            <a:endParaRPr lang="fr-FR" dirty="0"/>
           </a:p>
         </p:txBody>
       </p:sp>
@@ -3893,59 +3863,35 @@
           <a:p>
             <a:r>
               <a:rPr lang="fr-FR" sz="1600" dirty="0"/>
-              <a:t>La Transformée de Fourier </a:t>
-            </a:r>
-            <a:r>
-              <a:rPr lang="fr-FR" sz="1600" dirty="0" smtClean="0"/>
-              <a:t>Rapide (</a:t>
-            </a:r>
-            <a:r>
-              <a:rPr lang="fr-FR" sz="1600" b="1" dirty="0" smtClean="0"/>
+              <a:t>La Transformée de Fourier Rapide (</a:t>
+            </a:r>
+            <a:r>
+              <a:rPr lang="fr-FR" sz="1600" b="1" dirty="0"/>
               <a:t>FFT)</a:t>
             </a:r>
             <a:r>
-              <a:rPr lang="fr-FR" sz="1600" dirty="0" smtClean="0"/>
-              <a:t> </a:t>
-            </a:r>
-            <a:r>
               <a:rPr lang="fr-FR" sz="1600" dirty="0"/>
-              <a:t>est un </a:t>
-            </a:r>
-            <a:r>
-              <a:rPr lang="fr-FR" sz="1600" dirty="0" err="1" smtClean="0"/>
+              <a:t> est un </a:t>
+            </a:r>
+            <a:r>
+              <a:rPr lang="fr-FR" sz="1600" dirty="0" err="1"/>
               <a:t>algo</a:t>
             </a:r>
-            <a:endParaRPr lang="fr-FR" sz="1600" dirty="0" smtClean="0"/>
-          </a:p>
-          <a:p>
-            <a:r>
-              <a:rPr lang="fr-FR" sz="1600" dirty="0" smtClean="0"/>
-              <a:t>qui </a:t>
-            </a:r>
+            <a:endParaRPr lang="fr-FR" sz="1600" dirty="0"/>
+          </a:p>
+          <a:p>
             <a:r>
               <a:rPr lang="fr-FR" sz="1600" dirty="0"/>
-              <a:t>permet de calculer des Transformées de </a:t>
-            </a:r>
-            <a:r>
-              <a:rPr lang="fr-FR" sz="1600" dirty="0" smtClean="0"/>
-              <a:t>Fourier</a:t>
-            </a:r>
-          </a:p>
-          <a:p>
-            <a:r>
-              <a:rPr lang="fr-FR" sz="1600" dirty="0" smtClean="0"/>
-              <a:t>Discrètes</a:t>
-            </a:r>
+              <a:t>qui permet de calculer des Transformées de Fourier</a:t>
+            </a:r>
+          </a:p>
+          <a:p>
             <a:r>
               <a:rPr lang="fr-FR" sz="1600" dirty="0"/>
-              <a:t> </a:t>
-            </a:r>
-            <a:r>
-              <a:rPr lang="fr-FR" sz="1600" dirty="0" smtClean="0"/>
-              <a:t>(</a:t>
-            </a:r>
-            <a:r>
-              <a:rPr lang="fr-FR" sz="1600" b="1" dirty="0" smtClean="0"/>
+              <a:t>Discrètes (</a:t>
+            </a:r>
+            <a:r>
+              <a:rPr lang="fr-FR" sz="1600" b="1" dirty="0"/>
               <a:t>DFT)</a:t>
             </a:r>
           </a:p>
@@ -3997,7 +3943,7 @@
           <a:lstStyle/>
           <a:p>
             <a:r>
-              <a:rPr lang="fr-FR" dirty="0" err="1" smtClean="0"/>
+              <a:rPr lang="fr-FR" dirty="0" err="1"/>
               <a:t>Jupyter</a:t>
             </a:r>
             <a:endParaRPr lang="fr-FR" dirty="0"/>
@@ -4020,59 +3966,53 @@
           <a:lstStyle/>
           <a:p>
             <a:r>
-              <a:rPr lang="fr-FR" dirty="0" smtClean="0"/>
-              <a:t>Développement et visualisation des résultats en </a:t>
-            </a:r>
-            <a:r>
-              <a:rPr lang="fr-FR" dirty="0" smtClean="0"/>
-              <a:t>ligne</a:t>
+              <a:rPr lang="fr-FR" dirty="0"/>
+              <a:t>Développement et visualisation des résultats en ligne</a:t>
             </a:r>
           </a:p>
           <a:p>
             <a:pPr lvl="1"/>
             <a:r>
-              <a:rPr lang="fr-FR" dirty="0" smtClean="0"/>
+              <a:rPr lang="fr-FR" dirty="0"/>
               <a:t>Partage de code et de résultats en ligne</a:t>
             </a:r>
-            <a:endParaRPr lang="fr-FR" dirty="0" smtClean="0"/>
-          </a:p>
-          <a:p>
-            <a:r>
-              <a:rPr lang="fr-FR" dirty="0" err="1" smtClean="0"/>
+          </a:p>
+          <a:p>
+            <a:r>
+              <a:rPr lang="fr-FR" dirty="0" err="1"/>
               <a:t>Pip</a:t>
             </a:r>
             <a:r>
-              <a:rPr lang="fr-FR" dirty="0" smtClean="0"/>
+              <a:rPr lang="fr-FR" dirty="0"/>
               <a:t> </a:t>
             </a:r>
             <a:r>
-              <a:rPr lang="fr-FR" dirty="0" err="1" smtClean="0"/>
+              <a:rPr lang="fr-FR" dirty="0" err="1"/>
               <a:t>install</a:t>
             </a:r>
             <a:r>
-              <a:rPr lang="fr-FR" dirty="0" smtClean="0"/>
+              <a:rPr lang="fr-FR" dirty="0"/>
               <a:t> </a:t>
             </a:r>
             <a:r>
-              <a:rPr lang="fr-FR" dirty="0" err="1" smtClean="0"/>
+              <a:rPr lang="fr-FR" dirty="0" err="1"/>
               <a:t>jupyter</a:t>
             </a:r>
-            <a:endParaRPr lang="fr-FR" dirty="0" smtClean="0"/>
-          </a:p>
-          <a:p>
-            <a:r>
-              <a:rPr lang="fr-FR" dirty="0" smtClean="0"/>
+            <a:endParaRPr lang="fr-FR" dirty="0"/>
+          </a:p>
+          <a:p>
+            <a:r>
+              <a:rPr lang="fr-FR" dirty="0"/>
               <a:t>Python –m </a:t>
             </a:r>
             <a:r>
-              <a:rPr lang="fr-FR" dirty="0" err="1" smtClean="0"/>
+              <a:rPr lang="fr-FR" dirty="0" err="1"/>
               <a:t>jupyter</a:t>
             </a:r>
             <a:r>
-              <a:rPr lang="fr-FR" dirty="0" smtClean="0"/>
+              <a:rPr lang="fr-FR" dirty="0"/>
               <a:t> notebook</a:t>
             </a:r>
-            <a:endParaRPr lang="fr-FR" dirty="0"/>
           </a:p>
         </p:txBody>
       </p:sp>
@@ -4187,91 +4127,91 @@
           <a:lstStyle/>
           <a:p>
             <a:r>
-              <a:rPr lang="en-US" dirty="0" err="1" smtClean="0"/>
+              <a:rPr lang="en-US" dirty="0" err="1"/>
               <a:t>Outils</a:t>
             </a:r>
             <a:r>
-              <a:rPr lang="en-US" dirty="0" smtClean="0"/>
+              <a:rPr lang="en-US" dirty="0"/>
               <a:t> simples et </a:t>
             </a:r>
             <a:r>
-              <a:rPr lang="en-US" dirty="0" err="1" smtClean="0"/>
+              <a:rPr lang="en-US" dirty="0" err="1"/>
               <a:t>puissants</a:t>
             </a:r>
             <a:r>
-              <a:rPr lang="en-US" dirty="0" smtClean="0"/>
+              <a:rPr lang="en-US" dirty="0"/>
               <a:t> pour </a:t>
             </a:r>
             <a:r>
-              <a:rPr lang="en-US" dirty="0" err="1" smtClean="0"/>
+              <a:rPr lang="en-US" dirty="0" err="1"/>
               <a:t>l’analyse</a:t>
             </a:r>
             <a:r>
-              <a:rPr lang="en-US" dirty="0" smtClean="0"/>
+              <a:rPr lang="en-US" dirty="0"/>
               <a:t> des </a:t>
             </a:r>
             <a:r>
-              <a:rPr lang="en-US" dirty="0" err="1" smtClean="0"/>
+              <a:rPr lang="en-US" dirty="0" err="1"/>
               <a:t>données</a:t>
             </a:r>
             <a:r>
-              <a:rPr lang="en-US" dirty="0" smtClean="0"/>
+              <a:rPr lang="en-US" dirty="0"/>
               <a:t> et le data mining</a:t>
             </a:r>
           </a:p>
           <a:p>
             <a:r>
-              <a:rPr lang="en-US" dirty="0" smtClean="0"/>
+              <a:rPr lang="en-US" dirty="0"/>
               <a:t>IA</a:t>
             </a:r>
           </a:p>
           <a:p>
             <a:pPr lvl="1"/>
             <a:r>
-              <a:rPr lang="en-US" dirty="0" err="1" smtClean="0"/>
+              <a:rPr lang="en-US" dirty="0" err="1"/>
               <a:t>Détection</a:t>
             </a:r>
             <a:r>
-              <a:rPr lang="en-US" dirty="0" smtClean="0"/>
+              <a:rPr lang="en-US" dirty="0"/>
               <a:t> </a:t>
             </a:r>
             <a:r>
-              <a:rPr lang="en-US" dirty="0" err="1" smtClean="0"/>
+              <a:rPr lang="en-US" dirty="0" err="1"/>
               <a:t>automatique</a:t>
             </a:r>
             <a:r>
-              <a:rPr lang="en-US" dirty="0" smtClean="0"/>
+              <a:rPr lang="en-US" dirty="0"/>
               <a:t> de SPAM</a:t>
             </a:r>
           </a:p>
           <a:p>
             <a:pPr lvl="1"/>
             <a:r>
-              <a:rPr lang="en-US" dirty="0" smtClean="0"/>
+              <a:rPr lang="en-US" dirty="0"/>
               <a:t>Recommendation </a:t>
             </a:r>
             <a:r>
-              <a:rPr lang="en-US" dirty="0" err="1" smtClean="0"/>
+              <a:rPr lang="en-US" dirty="0" err="1"/>
               <a:t>automatique</a:t>
             </a:r>
             <a:r>
-              <a:rPr lang="en-US" dirty="0" smtClean="0"/>
+              <a:rPr lang="en-US" dirty="0"/>
               <a:t> de </a:t>
             </a:r>
             <a:r>
-              <a:rPr lang="en-US" dirty="0" err="1" smtClean="0"/>
+              <a:rPr lang="en-US" dirty="0" err="1"/>
               <a:t>morceaux</a:t>
             </a:r>
             <a:r>
-              <a:rPr lang="en-US" dirty="0" smtClean="0"/>
+              <a:rPr lang="en-US" dirty="0"/>
               <a:t> </a:t>
             </a:r>
             <a:r>
-              <a:rPr lang="en-US" dirty="0" err="1" smtClean="0"/>
+              <a:rPr lang="en-US" dirty="0" err="1"/>
               <a:t>musicaux</a:t>
             </a:r>
             <a:r>
-              <a:rPr lang="en-US" dirty="0" smtClean="0"/>
+              <a:rPr lang="en-US" dirty="0"/>
               <a:t> pour Spotify</a:t>
             </a:r>
           </a:p>
@@ -4327,10 +4267,9 @@
           <a:lstStyle/>
           <a:p>
             <a:r>
-              <a:rPr lang="fr-FR" dirty="0" smtClean="0"/>
+              <a:rPr lang="fr-FR" dirty="0"/>
               <a:t>Python et les Maths</a:t>
             </a:r>
-            <a:endParaRPr lang="fr-FR" dirty="0"/>
           </a:p>
         </p:txBody>
       </p:sp>
@@ -4350,49 +4289,48 @@
           <a:lstStyle/>
           <a:p>
             <a:r>
-              <a:rPr lang="fr-FR" dirty="0" smtClean="0"/>
+              <a:rPr lang="fr-FR" dirty="0"/>
               <a:t>Python a rencontré un grand succès dans le monde scientifique, mathématiques et de l’IA</a:t>
             </a:r>
           </a:p>
           <a:p>
             <a:r>
-              <a:rPr lang="fr-FR" dirty="0" smtClean="0"/>
+              <a:rPr lang="fr-FR" dirty="0"/>
               <a:t>De nombreux modules sont à disposition</a:t>
             </a:r>
           </a:p>
           <a:p>
             <a:pPr lvl="1"/>
             <a:r>
-              <a:rPr lang="fr-FR" dirty="0" err="1" smtClean="0"/>
+              <a:rPr lang="fr-FR" dirty="0" err="1"/>
               <a:t>Numpy</a:t>
             </a:r>
             <a:r>
-              <a:rPr lang="fr-FR" dirty="0" smtClean="0"/>
+              <a:rPr lang="fr-FR" dirty="0"/>
               <a:t>, </a:t>
             </a:r>
             <a:r>
-              <a:rPr lang="fr-FR" dirty="0" err="1" smtClean="0"/>
+              <a:rPr lang="fr-FR" dirty="0" err="1"/>
               <a:t>Scipy</a:t>
             </a:r>
             <a:r>
-              <a:rPr lang="fr-FR" dirty="0" smtClean="0"/>
+              <a:rPr lang="fr-FR" dirty="0"/>
               <a:t>, </a:t>
             </a:r>
             <a:r>
-              <a:rPr lang="fr-FR" dirty="0" err="1" smtClean="0"/>
+              <a:rPr lang="fr-FR" dirty="0" err="1"/>
               <a:t>Scikit-learn</a:t>
             </a:r>
             <a:r>
-              <a:rPr lang="fr-FR" dirty="0" smtClean="0"/>
+              <a:rPr lang="fr-FR" dirty="0"/>
               <a:t>, …</a:t>
             </a:r>
           </a:p>
           <a:p>
             <a:r>
-              <a:rPr lang="fr-FR" dirty="0" smtClean="0"/>
+              <a:rPr lang="fr-FR" dirty="0"/>
               <a:t>Le module math possède les méthodes de base</a:t>
             </a:r>
-            <a:endParaRPr lang="fr-FR" dirty="0"/>
           </a:p>
         </p:txBody>
       </p:sp>
@@ -4430,13 +4368,6 @@
   <p:clrMapOvr>
     <a:masterClrMapping/>
   </p:clrMapOvr>
-  <p:timing>
-    <p:tnLst>
-      <p:par>
-        <p:cTn id="1" dur="indefinite" restart="never" nodeType="tmRoot"/>
-      </p:par>
-    </p:tnLst>
-  </p:timing>
 </p:sld>
 </file>
 
@@ -4473,62 +4404,61 @@
           <a:lstStyle/>
           <a:p>
             <a:r>
-              <a:rPr lang="en-US" dirty="0" err="1" smtClean="0"/>
+              <a:rPr lang="en-US" dirty="0" err="1"/>
               <a:t>NumPy</a:t>
             </a:r>
             <a:r>
-              <a:rPr lang="en-US" dirty="0" smtClean="0"/>
+              <a:rPr lang="en-US" dirty="0"/>
               <a:t> </a:t>
             </a:r>
             <a:r>
-              <a:rPr lang="en-US" dirty="0" err="1" smtClean="0"/>
+              <a:rPr lang="en-US" dirty="0" err="1"/>
               <a:t>est</a:t>
             </a:r>
             <a:r>
-              <a:rPr lang="en-US" dirty="0" smtClean="0"/>
+              <a:rPr lang="en-US" dirty="0"/>
               <a:t> un module </a:t>
             </a:r>
             <a:r>
-              <a:rPr lang="en-US" dirty="0" err="1" smtClean="0"/>
+              <a:rPr lang="en-US" dirty="0" err="1"/>
               <a:t>scientifique</a:t>
             </a:r>
             <a:r>
-              <a:rPr lang="en-US" dirty="0" smtClean="0"/>
+              <a:rPr lang="en-US" dirty="0"/>
               <a:t> de </a:t>
             </a:r>
             <a:r>
-              <a:rPr lang="en-US" dirty="0" err="1" smtClean="0"/>
+              <a:rPr lang="en-US" dirty="0" err="1"/>
               <a:t>calcul</a:t>
             </a:r>
             <a:r>
-              <a:rPr lang="en-US" dirty="0" smtClean="0"/>
+              <a:rPr lang="en-US" dirty="0"/>
               <a:t> qui </a:t>
             </a:r>
             <a:r>
-              <a:rPr lang="en-US" dirty="0" err="1" smtClean="0"/>
+              <a:rPr lang="en-US" dirty="0" err="1"/>
               <a:t>peut</a:t>
             </a:r>
             <a:r>
-              <a:rPr lang="en-US" dirty="0" smtClean="0"/>
+              <a:rPr lang="en-US" dirty="0"/>
               <a:t> :</a:t>
             </a:r>
+          </a:p>
+          <a:p>
+            <a:pPr lvl="1"/>
+            <a:r>
+              <a:rPr lang="en-US" dirty="0" err="1"/>
+              <a:t>Algèbre</a:t>
+            </a:r>
+            <a:r>
+              <a:rPr lang="en-US" dirty="0"/>
+              <a:t> </a:t>
+            </a:r>
+            <a:r>
+              <a:rPr lang="en-US" dirty="0" err="1"/>
+              <a:t>linéaire</a:t>
+            </a:r>
             <a:endParaRPr lang="en-US" dirty="0"/>
-          </a:p>
-          <a:p>
-            <a:pPr lvl="1"/>
-            <a:r>
-              <a:rPr lang="en-US" dirty="0" err="1" smtClean="0"/>
-              <a:t>Algèbre</a:t>
-            </a:r>
-            <a:r>
-              <a:rPr lang="en-US" dirty="0" smtClean="0"/>
-              <a:t> </a:t>
-            </a:r>
-            <a:r>
-              <a:rPr lang="en-US" dirty="0" err="1" smtClean="0"/>
-              <a:t>linéaire</a:t>
-            </a:r>
-            <a:endParaRPr lang="en-US" dirty="0" smtClean="0"/>
           </a:p>
           <a:p>
             <a:pPr lvl="1"/>
@@ -4544,31 +4474,30 @@
               <a:rPr lang="en-US" dirty="0"/>
               <a:t> as np</a:t>
             </a:r>
-            <a:endParaRPr lang="en-US" dirty="0" smtClean="0"/>
           </a:p>
           <a:p>
             <a:pPr lvl="1"/>
             <a:r>
-              <a:rPr lang="en-US" dirty="0" smtClean="0"/>
+              <a:rPr lang="en-US" dirty="0"/>
               <a:t>Travail sur des </a:t>
             </a:r>
             <a:r>
-              <a:rPr lang="en-US" dirty="0" err="1" smtClean="0"/>
+              <a:rPr lang="en-US" dirty="0" err="1"/>
               <a:t>np.array</a:t>
             </a:r>
-            <a:endParaRPr lang="en-US" dirty="0" smtClean="0"/>
+            <a:endParaRPr lang="en-US" dirty="0"/>
           </a:p>
           <a:p>
             <a:pPr lvl="1"/>
             <a:r>
-              <a:rPr lang="en-US" dirty="0" smtClean="0"/>
+              <a:rPr lang="en-US" dirty="0"/>
               <a:t>PIP install </a:t>
             </a:r>
             <a:r>
-              <a:rPr lang="en-US" dirty="0" err="1" smtClean="0"/>
+              <a:rPr lang="en-US" dirty="0" err="1"/>
               <a:t>numpy</a:t>
             </a:r>
-            <a:endParaRPr lang="en-US" dirty="0" smtClean="0"/>
+            <a:endParaRPr lang="en-US" dirty="0"/>
           </a:p>
           <a:p>
             <a:pPr lvl="1"/>
@@ -4670,10 +4599,9 @@
           <a:lstStyle/>
           <a:p>
             <a:r>
-              <a:rPr lang="fr-FR" dirty="0" smtClean="0"/>
+              <a:rPr lang="fr-FR" dirty="0"/>
               <a:t>Matrices</a:t>
             </a:r>
-            <a:endParaRPr lang="fr-FR" dirty="0"/>
           </a:p>
         </p:txBody>
       </p:sp>
@@ -4693,7 +4621,7 @@
           <a:lstStyle/>
           <a:p>
             <a:r>
-              <a:rPr lang="fr-FR" dirty="0" smtClean="0"/>
+              <a:rPr lang="fr-FR" dirty="0"/>
               <a:t>Tableaux à 2 dimensions</a:t>
             </a:r>
           </a:p>
@@ -4701,62 +4629,62 @@
             <a:endParaRPr lang="fr-FR" dirty="0"/>
           </a:p>
           <a:p>
-            <a:endParaRPr lang="fr-FR" dirty="0" smtClean="0"/>
-          </a:p>
-          <a:p>
             <a:endParaRPr lang="fr-FR" dirty="0"/>
           </a:p>
           <a:p>
-            <a:r>
-              <a:rPr lang="fr-FR" dirty="0" smtClean="0"/>
+            <a:endParaRPr lang="fr-FR" dirty="0"/>
+          </a:p>
+          <a:p>
+            <a:r>
+              <a:rPr lang="fr-FR" dirty="0"/>
               <a:t>Matrices particulières</a:t>
             </a:r>
           </a:p>
           <a:p>
             <a:pPr lvl="1"/>
             <a:r>
-              <a:rPr lang="fr-FR" dirty="0" err="1" smtClean="0"/>
+              <a:rPr lang="fr-FR" dirty="0" err="1"/>
               <a:t>zeros</a:t>
             </a:r>
             <a:r>
-              <a:rPr lang="fr-FR" dirty="0" smtClean="0"/>
+              <a:rPr lang="fr-FR" dirty="0"/>
               <a:t>(n) : remplie de 0</a:t>
             </a:r>
           </a:p>
           <a:p>
             <a:pPr lvl="1"/>
             <a:r>
-              <a:rPr lang="fr-FR" dirty="0" smtClean="0"/>
+              <a:rPr lang="fr-FR" dirty="0"/>
               <a:t>one(n) : remplie de 1</a:t>
             </a:r>
           </a:p>
           <a:p>
             <a:pPr lvl="1"/>
             <a:r>
-              <a:rPr lang="fr-FR" dirty="0" err="1" smtClean="0"/>
+              <a:rPr lang="fr-FR" dirty="0" err="1"/>
               <a:t>eye</a:t>
             </a:r>
             <a:r>
-              <a:rPr lang="fr-FR" dirty="0" smtClean="0"/>
+              <a:rPr lang="fr-FR" dirty="0"/>
               <a:t>(n) : 1 en diagonale, 0 ailleurs</a:t>
             </a:r>
           </a:p>
           <a:p>
             <a:pPr lvl="1"/>
             <a:r>
-              <a:rPr lang="fr-FR" dirty="0" err="1" smtClean="0"/>
+              <a:rPr lang="fr-FR" dirty="0" err="1"/>
               <a:t>diag</a:t>
             </a:r>
             <a:r>
-              <a:rPr lang="fr-FR" dirty="0" smtClean="0"/>
+              <a:rPr lang="fr-FR" dirty="0"/>
               <a:t>(</a:t>
             </a:r>
             <a:r>
-              <a:rPr lang="fr-FR" dirty="0" err="1" smtClean="0"/>
+              <a:rPr lang="fr-FR" dirty="0" err="1"/>
               <a:t>v,k</a:t>
             </a:r>
             <a:r>
-              <a:rPr lang="fr-FR" dirty="0" smtClean="0"/>
+              <a:rPr lang="fr-FR" dirty="0"/>
               <a:t>) : vecteur v en diagonal décalé de k</a:t>
             </a:r>
           </a:p>
@@ -4764,17 +4692,12 @@
             <a:pPr lvl="1"/>
             <a:r>
               <a:rPr lang="fr-FR" dirty="0" err="1"/>
-              <a:t>r</a:t>
-            </a:r>
-            <a:r>
-              <a:rPr lang="fr-FR" dirty="0" err="1" smtClean="0"/>
-              <a:t>andom.rand</a:t>
-            </a:r>
-            <a:r>
-              <a:rPr lang="fr-FR" dirty="0" smtClean="0"/>
+              <a:t>random.rand</a:t>
+            </a:r>
+            <a:r>
+              <a:rPr lang="fr-FR" dirty="0"/>
               <a:t>(n) : aléatoire</a:t>
             </a:r>
-            <a:endParaRPr lang="fr-FR" dirty="0"/>
           </a:p>
           <a:p>
             <a:pPr lvl="1"/>
@@ -4876,10 +4799,9 @@
           <a:lstStyle/>
           <a:p>
             <a:r>
-              <a:rPr lang="fr-FR" dirty="0" smtClean="0"/>
+              <a:rPr lang="fr-FR" dirty="0"/>
               <a:t>Calcul Matriciel</a:t>
             </a:r>
-            <a:endParaRPr lang="fr-FR" dirty="0"/>
           </a:p>
         </p:txBody>
       </p:sp>
@@ -4899,7 +4821,7 @@
           <a:lstStyle/>
           <a:p>
             <a:r>
-              <a:rPr lang="fr-FR" dirty="0" smtClean="0"/>
+              <a:rPr lang="fr-FR" dirty="0"/>
               <a:t>Les opérateurs standard sont surchargés</a:t>
             </a:r>
           </a:p>
@@ -4907,46 +4829,42 @@
             <a:endParaRPr lang="fr-FR" dirty="0"/>
           </a:p>
           <a:p>
-            <a:endParaRPr lang="fr-FR" dirty="0" smtClean="0"/>
-          </a:p>
-          <a:p>
             <a:endParaRPr lang="fr-FR" dirty="0"/>
           </a:p>
           <a:p>
+            <a:endParaRPr lang="fr-FR" dirty="0"/>
+          </a:p>
+          <a:p>
             <a:r>
               <a:rPr lang="fr-FR" dirty="0" err="1"/>
-              <a:t>r</a:t>
-            </a:r>
-            <a:r>
-              <a:rPr lang="fr-FR" dirty="0" err="1" smtClean="0"/>
-              <a:t>eshape</a:t>
-            </a:r>
-            <a:r>
-              <a:rPr lang="fr-FR" dirty="0" smtClean="0"/>
+              <a:t>reshape</a:t>
+            </a:r>
+            <a:r>
+              <a:rPr lang="fr-FR" dirty="0"/>
               <a:t> redimensionne la matrice</a:t>
             </a:r>
           </a:p>
           <a:p>
             <a:r>
-              <a:rPr lang="fr-FR" dirty="0" err="1" smtClean="0"/>
+              <a:rPr lang="fr-FR" dirty="0" err="1"/>
               <a:t>linalg.inv</a:t>
             </a:r>
             <a:r>
-              <a:rPr lang="fr-FR" dirty="0" smtClean="0"/>
+              <a:rPr lang="fr-FR" dirty="0"/>
               <a:t> inverse une matrice</a:t>
             </a:r>
           </a:p>
           <a:p>
             <a:pPr lvl="1"/>
             <a:r>
-              <a:rPr lang="fr-FR" dirty="0" smtClean="0"/>
+              <a:rPr lang="fr-FR" dirty="0"/>
               <a:t>Vérifier d’abord si elle est inversable avec </a:t>
             </a:r>
             <a:r>
-              <a:rPr lang="fr-FR" dirty="0" err="1" smtClean="0"/>
+              <a:rPr lang="fr-FR" dirty="0" err="1"/>
               <a:t>rank</a:t>
             </a:r>
-            <a:endParaRPr lang="fr-FR" dirty="0" smtClean="0"/>
+            <a:endParaRPr lang="fr-FR" dirty="0"/>
           </a:p>
           <a:p>
             <a:pPr lvl="1"/>
@@ -5048,59 +4966,54 @@
           <a:lstStyle/>
           <a:p>
             <a:r>
-              <a:rPr lang="fr-FR" dirty="0" err="1" smtClean="0"/>
+              <a:rPr lang="fr-FR" dirty="0" err="1"/>
               <a:t>SciPy</a:t>
             </a:r>
             <a:r>
-              <a:rPr lang="fr-FR" dirty="0" smtClean="0"/>
+              <a:rPr lang="fr-FR" dirty="0"/>
               <a:t> est un écosystème scientifique</a:t>
             </a:r>
           </a:p>
           <a:p>
             <a:pPr lvl="1"/>
             <a:r>
-              <a:rPr lang="fr-FR" dirty="0" smtClean="0"/>
+              <a:rPr lang="fr-FR" dirty="0"/>
               <a:t>Contient </a:t>
             </a:r>
             <a:r>
-              <a:rPr lang="fr-FR" dirty="0" err="1" smtClean="0"/>
+              <a:rPr lang="fr-FR" dirty="0" err="1"/>
               <a:t>NumPy</a:t>
             </a:r>
-            <a:endParaRPr lang="fr-FR" dirty="0" smtClean="0"/>
+            <a:endParaRPr lang="fr-FR" dirty="0"/>
           </a:p>
           <a:p>
             <a:pPr lvl="1"/>
             <a:r>
-              <a:rPr lang="fr-FR" dirty="0" err="1" smtClean="0"/>
-              <a:t>MathplotLib</a:t>
+              <a:rPr lang="fr-FR" dirty="0" err="1"/>
+              <a:t>MatplotLib</a:t>
             </a:r>
             <a:r>
               <a:rPr lang="fr-FR" dirty="0"/>
-              <a:t> </a:t>
-            </a:r>
-            <a:r>
-              <a:rPr lang="fr-FR" dirty="0" smtClean="0"/>
-              <a:t>: librairie graphique 2D</a:t>
+              <a:t> : librairie graphique 2D</a:t>
             </a:r>
           </a:p>
           <a:p>
             <a:pPr lvl="1"/>
             <a:r>
-              <a:rPr lang="fr-FR" dirty="0" err="1" smtClean="0"/>
+              <a:rPr lang="fr-FR" dirty="0" err="1"/>
               <a:t>Sympy</a:t>
             </a:r>
             <a:r>
-              <a:rPr lang="fr-FR" dirty="0" smtClean="0"/>
-              <a:t> : Symboles mathématiques</a:t>
+              <a:rPr lang="fr-FR" dirty="0"/>
+              <a:t> : Symbolique mathématiques</a:t>
             </a:r>
           </a:p>
           <a:p>
             <a:pPr lvl="1"/>
             <a:r>
-              <a:rPr lang="fr-FR" dirty="0" smtClean="0"/>
+              <a:rPr lang="fr-FR" dirty="0"/>
               <a:t>Pandas : Analyses de structures de données (BI)</a:t>
             </a:r>
-            <a:endParaRPr lang="fr-FR" dirty="0"/>
           </a:p>
         </p:txBody>
       </p:sp>
@@ -5197,34 +5110,34 @@
           <a:lstStyle/>
           <a:p>
             <a:r>
-              <a:rPr lang="fr-FR" dirty="0" smtClean="0"/>
+              <a:rPr lang="fr-FR" dirty="0"/>
               <a:t>Graphes</a:t>
             </a:r>
           </a:p>
           <a:p>
             <a:r>
-              <a:rPr lang="fr-FR" dirty="0" smtClean="0"/>
+              <a:rPr lang="fr-FR" dirty="0"/>
               <a:t>Permet de faire des graphes simples</a:t>
             </a:r>
           </a:p>
           <a:p>
             <a:r>
-              <a:rPr lang="fr-FR" dirty="0" smtClean="0"/>
+              <a:rPr lang="fr-FR" dirty="0"/>
               <a:t>PIP </a:t>
             </a:r>
             <a:r>
-              <a:rPr lang="fr-FR" dirty="0" err="1" smtClean="0"/>
+              <a:rPr lang="fr-FR" dirty="0" err="1"/>
               <a:t>install</a:t>
             </a:r>
             <a:r>
-              <a:rPr lang="fr-FR" dirty="0" smtClean="0"/>
+              <a:rPr lang="fr-FR" dirty="0"/>
               <a:t> </a:t>
             </a:r>
             <a:r>
-              <a:rPr lang="fr-FR" dirty="0" err="1" smtClean="0"/>
+              <a:rPr lang="fr-FR" dirty="0" err="1"/>
               <a:t>matplotlib</a:t>
             </a:r>
-            <a:endParaRPr lang="fr-FR" dirty="0" smtClean="0"/>
+            <a:endParaRPr lang="fr-FR" dirty="0"/>
           </a:p>
           <a:p>
             <a:endParaRPr lang="fr-FR" dirty="0"/>
@@ -5342,10 +5255,9 @@
           <a:lstStyle/>
           <a:p>
             <a:r>
-              <a:rPr lang="fr-FR" dirty="0" smtClean="0"/>
+              <a:rPr lang="fr-FR" dirty="0"/>
               <a:t>Axes</a:t>
             </a:r>
-            <a:endParaRPr lang="fr-FR" dirty="0"/>
           </a:p>
         </p:txBody>
       </p:sp>
@@ -5462,10 +5374,9 @@
           <a:lstStyle/>
           <a:p>
             <a:r>
-              <a:rPr lang="fr-FR" dirty="0" smtClean="0"/>
+              <a:rPr lang="fr-FR" dirty="0"/>
               <a:t>Figures multiples</a:t>
             </a:r>
-            <a:endParaRPr lang="fr-FR" dirty="0"/>
           </a:p>
         </p:txBody>
       </p:sp>
@@ -5490,47 +5401,47 @@
           <a:lstStyle/>
           <a:p>
             <a:r>
-              <a:rPr lang="fr-FR" sz="2400" dirty="0" smtClean="0"/>
+              <a:rPr lang="fr-FR" sz="2400" dirty="0"/>
               <a:t>Figure</a:t>
             </a:r>
           </a:p>
           <a:p>
             <a:pPr lvl="1"/>
             <a:r>
-              <a:rPr lang="fr-FR" sz="2000" dirty="0" smtClean="0"/>
+              <a:rPr lang="fr-FR" sz="2000" dirty="0"/>
               <a:t>Regroupe plusieurs graphes</a:t>
             </a:r>
           </a:p>
           <a:p>
             <a:r>
-              <a:rPr lang="fr-FR" sz="2400" dirty="0" err="1" smtClean="0"/>
+              <a:rPr lang="fr-FR" sz="2400" dirty="0" err="1"/>
               <a:t>Subplot</a:t>
             </a:r>
             <a:r>
-              <a:rPr lang="fr-FR" sz="2400" dirty="0" smtClean="0"/>
+              <a:rPr lang="fr-FR" sz="2400" dirty="0"/>
               <a:t>(</a:t>
             </a:r>
             <a:r>
-              <a:rPr lang="fr-FR" sz="2400" dirty="0" err="1" smtClean="0"/>
+              <a:rPr lang="fr-FR" sz="2400" dirty="0" err="1"/>
               <a:t>xyz</a:t>
             </a:r>
             <a:r>
-              <a:rPr lang="fr-FR" sz="2400" dirty="0" smtClean="0"/>
+              <a:rPr lang="fr-FR" sz="2400" dirty="0"/>
               <a:t>)</a:t>
             </a:r>
           </a:p>
           <a:p>
             <a:pPr lvl="1"/>
             <a:r>
-              <a:rPr lang="fr-FR" sz="2000" dirty="0" smtClean="0"/>
+              <a:rPr lang="fr-FR" sz="2000" dirty="0"/>
               <a:t>Graphe en x lignes y colonnes et </a:t>
             </a:r>
             <a:r>
-              <a:rPr lang="fr-FR" sz="2000" dirty="0" err="1" smtClean="0"/>
+              <a:rPr lang="fr-FR" sz="2000" dirty="0" err="1"/>
               <a:t>selectionne</a:t>
             </a:r>
             <a:r>
-              <a:rPr lang="fr-FR" sz="2000" dirty="0" smtClean="0"/>
+              <a:rPr lang="fr-FR" sz="2000" dirty="0"/>
               <a:t> l’emplacement z pour les instructions suivantes</a:t>
             </a:r>
           </a:p>

--- a/ppt/Python20-Math.pptx
+++ b/ppt/Python20-Math.pptx
@@ -615,35 +615,35 @@
           <a:p>
             <a:pPr lvl="0"/>
             <a:r>
-              <a:rPr lang="fr-FR" noProof="0"/>
+              <a:rPr lang="fr-FR" noProof="0" smtClean="0"/>
               <a:t>Cliquez pour modifier les styles du texte du masque</a:t>
             </a:r>
           </a:p>
           <a:p>
             <a:pPr lvl="1"/>
             <a:r>
-              <a:rPr lang="fr-FR" noProof="0"/>
+              <a:rPr lang="fr-FR" noProof="0" smtClean="0"/>
               <a:t>Deuxième niveau</a:t>
             </a:r>
           </a:p>
           <a:p>
             <a:pPr lvl="2"/>
             <a:r>
-              <a:rPr lang="fr-FR" noProof="0"/>
+              <a:rPr lang="fr-FR" noProof="0" smtClean="0"/>
               <a:t>Troisième niveau</a:t>
             </a:r>
           </a:p>
           <a:p>
             <a:pPr lvl="3"/>
             <a:r>
-              <a:rPr lang="fr-FR" noProof="0"/>
+              <a:rPr lang="fr-FR" noProof="0" smtClean="0"/>
               <a:t>Quatrième niveau</a:t>
             </a:r>
           </a:p>
           <a:p>
             <a:pPr lvl="4"/>
             <a:r>
-              <a:rPr lang="fr-FR" noProof="0"/>
+              <a:rPr lang="fr-FR" noProof="0" smtClean="0"/>
               <a:t>Cinquième niveau</a:t>
             </a:r>
           </a:p>
@@ -931,9 +931,10 @@
           <a:lstStyle/>
           <a:p>
             <a:r>
-              <a:rPr lang="fr-FR"/>
+              <a:rPr lang="fr-FR" smtClean="0"/>
               <a:t>Cliquez pour modifier le style du titre</a:t>
             </a:r>
+            <a:endParaRPr lang="fr-FR"/>
           </a:p>
         </p:txBody>
       </p:sp>
@@ -995,9 +996,10 @@
           </a:lstStyle>
           <a:p>
             <a:r>
-              <a:rPr lang="fr-FR"/>
+              <a:rPr lang="fr-FR" smtClean="0"/>
               <a:t>Cliquez pour modifier le style des sous-titres du masque</a:t>
             </a:r>
+            <a:endParaRPr lang="fr-FR"/>
           </a:p>
         </p:txBody>
       </p:sp>
@@ -1052,9 +1054,10 @@
           <a:lstStyle/>
           <a:p>
             <a:r>
-              <a:rPr lang="fr-FR"/>
+              <a:rPr lang="fr-FR" smtClean="0"/>
               <a:t>Cliquez pour modifier le style du titre</a:t>
             </a:r>
+            <a:endParaRPr lang="fr-FR"/>
           </a:p>
         </p:txBody>
       </p:sp>
@@ -1080,37 +1083,38 @@
           <a:p>
             <a:pPr lvl="0"/>
             <a:r>
-              <a:rPr lang="fr-FR"/>
+              <a:rPr lang="fr-FR" smtClean="0"/>
               <a:t>Cliquez pour modifier les styles du texte du masque</a:t>
             </a:r>
           </a:p>
           <a:p>
             <a:pPr lvl="1"/>
             <a:r>
-              <a:rPr lang="fr-FR"/>
+              <a:rPr lang="fr-FR" smtClean="0"/>
               <a:t>Deuxième niveau</a:t>
             </a:r>
           </a:p>
           <a:p>
             <a:pPr lvl="2"/>
             <a:r>
-              <a:rPr lang="fr-FR"/>
+              <a:rPr lang="fr-FR" smtClean="0"/>
               <a:t>Troisième niveau</a:t>
             </a:r>
           </a:p>
           <a:p>
             <a:pPr lvl="3"/>
             <a:r>
-              <a:rPr lang="fr-FR"/>
+              <a:rPr lang="fr-FR" smtClean="0"/>
               <a:t>Quatrième niveau</a:t>
             </a:r>
           </a:p>
           <a:p>
             <a:pPr lvl="4"/>
             <a:r>
-              <a:rPr lang="fr-FR"/>
+              <a:rPr lang="fr-FR" smtClean="0"/>
               <a:t>Cinquième niveau</a:t>
             </a:r>
+            <a:endParaRPr lang="fr-FR"/>
           </a:p>
         </p:txBody>
       </p:sp>
@@ -1169,9 +1173,10 @@
           </a:lstStyle>
           <a:p>
             <a:r>
-              <a:rPr lang="fr-FR" dirty="0"/>
+              <a:rPr lang="fr-FR" dirty="0" smtClean="0"/>
               <a:t>Cliquez pour modifier le style du titre</a:t>
             </a:r>
+            <a:endParaRPr lang="fr-FR" dirty="0"/>
           </a:p>
         </p:txBody>
       </p:sp>
@@ -1197,37 +1202,38 @@
           <a:p>
             <a:pPr lvl="0"/>
             <a:r>
-              <a:rPr lang="fr-FR" dirty="0"/>
+              <a:rPr lang="fr-FR" dirty="0" smtClean="0"/>
               <a:t>Cliquez pour modifier les styles du texte du masque</a:t>
             </a:r>
           </a:p>
           <a:p>
             <a:pPr lvl="1"/>
             <a:r>
-              <a:rPr lang="fr-FR" dirty="0"/>
+              <a:rPr lang="fr-FR" dirty="0" smtClean="0"/>
               <a:t>Deuxième niveau</a:t>
             </a:r>
           </a:p>
           <a:p>
             <a:pPr lvl="2"/>
             <a:r>
-              <a:rPr lang="fr-FR" dirty="0"/>
+              <a:rPr lang="fr-FR" dirty="0" smtClean="0"/>
               <a:t>Troisième niveau</a:t>
             </a:r>
           </a:p>
           <a:p>
             <a:pPr lvl="3"/>
             <a:r>
-              <a:rPr lang="fr-FR" dirty="0"/>
+              <a:rPr lang="fr-FR" dirty="0" smtClean="0"/>
               <a:t>Quatrième niveau</a:t>
             </a:r>
           </a:p>
           <a:p>
             <a:pPr lvl="4"/>
             <a:r>
-              <a:rPr lang="fr-FR" dirty="0"/>
+              <a:rPr lang="fr-FR" dirty="0" smtClean="0"/>
               <a:t>Cinquième niveau</a:t>
             </a:r>
+            <a:endParaRPr lang="fr-FR" dirty="0"/>
           </a:p>
         </p:txBody>
       </p:sp>
@@ -1277,9 +1283,10 @@
           <a:lstStyle/>
           <a:p>
             <a:r>
-              <a:rPr lang="fr-FR"/>
+              <a:rPr lang="fr-FR" smtClean="0"/>
               <a:t>Cliquez pour modifier le style du titre</a:t>
             </a:r>
+            <a:endParaRPr lang="fr-FR"/>
           </a:p>
         </p:txBody>
       </p:sp>
@@ -1333,37 +1340,38 @@
           <a:p>
             <a:pPr lvl="0"/>
             <a:r>
-              <a:rPr lang="fr-FR"/>
+              <a:rPr lang="fr-FR" smtClean="0"/>
               <a:t>Cliquez pour modifier les styles du texte du masque</a:t>
             </a:r>
           </a:p>
           <a:p>
             <a:pPr lvl="1"/>
             <a:r>
-              <a:rPr lang="fr-FR"/>
+              <a:rPr lang="fr-FR" smtClean="0"/>
               <a:t>Deuxième niveau</a:t>
             </a:r>
           </a:p>
           <a:p>
             <a:pPr lvl="2"/>
             <a:r>
-              <a:rPr lang="fr-FR"/>
+              <a:rPr lang="fr-FR" smtClean="0"/>
               <a:t>Troisième niveau</a:t>
             </a:r>
           </a:p>
           <a:p>
             <a:pPr lvl="3"/>
             <a:r>
-              <a:rPr lang="fr-FR"/>
+              <a:rPr lang="fr-FR" smtClean="0"/>
               <a:t>Quatrième niveau</a:t>
             </a:r>
           </a:p>
           <a:p>
             <a:pPr lvl="4"/>
             <a:r>
-              <a:rPr lang="fr-FR"/>
+              <a:rPr lang="fr-FR" smtClean="0"/>
               <a:t>Cinquième niveau</a:t>
             </a:r>
+            <a:endParaRPr lang="fr-FR"/>
           </a:p>
         </p:txBody>
       </p:sp>
@@ -1417,37 +1425,38 @@
           <a:p>
             <a:pPr lvl="0"/>
             <a:r>
-              <a:rPr lang="fr-FR"/>
+              <a:rPr lang="fr-FR" smtClean="0"/>
               <a:t>Cliquez pour modifier les styles du texte du masque</a:t>
             </a:r>
           </a:p>
           <a:p>
             <a:pPr lvl="1"/>
             <a:r>
-              <a:rPr lang="fr-FR"/>
+              <a:rPr lang="fr-FR" smtClean="0"/>
               <a:t>Deuxième niveau</a:t>
             </a:r>
           </a:p>
           <a:p>
             <a:pPr lvl="2"/>
             <a:r>
-              <a:rPr lang="fr-FR"/>
+              <a:rPr lang="fr-FR" smtClean="0"/>
               <a:t>Troisième niveau</a:t>
             </a:r>
           </a:p>
           <a:p>
             <a:pPr lvl="3"/>
             <a:r>
-              <a:rPr lang="fr-FR"/>
+              <a:rPr lang="fr-FR" smtClean="0"/>
               <a:t>Quatrième niveau</a:t>
             </a:r>
           </a:p>
           <a:p>
             <a:pPr lvl="4"/>
             <a:r>
-              <a:rPr lang="fr-FR"/>
+              <a:rPr lang="fr-FR" smtClean="0"/>
               <a:t>Cinquième niveau</a:t>
             </a:r>
+            <a:endParaRPr lang="fr-FR"/>
           </a:p>
         </p:txBody>
       </p:sp>
@@ -1506,9 +1515,10 @@
           </a:lstStyle>
           <a:p>
             <a:r>
-              <a:rPr lang="fr-FR"/>
+              <a:rPr lang="fr-FR" smtClean="0"/>
               <a:t>Cliquez pour modifier le style du titre</a:t>
             </a:r>
+            <a:endParaRPr lang="fr-FR"/>
           </a:p>
         </p:txBody>
       </p:sp>
@@ -1571,7 +1581,7 @@
           <a:p>
             <a:pPr lvl="0"/>
             <a:r>
-              <a:rPr lang="fr-FR"/>
+              <a:rPr lang="fr-FR" smtClean="0"/>
               <a:t>Cliquez pour modifier les styles du texte du masque</a:t>
             </a:r>
           </a:p>
@@ -1627,37 +1637,38 @@
           <a:p>
             <a:pPr lvl="0"/>
             <a:r>
-              <a:rPr lang="fr-FR"/>
+              <a:rPr lang="fr-FR" smtClean="0"/>
               <a:t>Cliquez pour modifier les styles du texte du masque</a:t>
             </a:r>
           </a:p>
           <a:p>
             <a:pPr lvl="1"/>
             <a:r>
-              <a:rPr lang="fr-FR"/>
+              <a:rPr lang="fr-FR" smtClean="0"/>
               <a:t>Deuxième niveau</a:t>
             </a:r>
           </a:p>
           <a:p>
             <a:pPr lvl="2"/>
             <a:r>
-              <a:rPr lang="fr-FR"/>
+              <a:rPr lang="fr-FR" smtClean="0"/>
               <a:t>Troisième niveau</a:t>
             </a:r>
           </a:p>
           <a:p>
             <a:pPr lvl="3"/>
             <a:r>
-              <a:rPr lang="fr-FR"/>
+              <a:rPr lang="fr-FR" smtClean="0"/>
               <a:t>Quatrième niveau</a:t>
             </a:r>
           </a:p>
           <a:p>
             <a:pPr lvl="4"/>
             <a:r>
-              <a:rPr lang="fr-FR"/>
+              <a:rPr lang="fr-FR" smtClean="0"/>
               <a:t>Cinquième niveau</a:t>
             </a:r>
+            <a:endParaRPr lang="fr-FR"/>
           </a:p>
         </p:txBody>
       </p:sp>
@@ -1720,7 +1731,7 @@
           <a:p>
             <a:pPr lvl="0"/>
             <a:r>
-              <a:rPr lang="fr-FR"/>
+              <a:rPr lang="fr-FR" smtClean="0"/>
               <a:t>Cliquez pour modifier les styles du texte du masque</a:t>
             </a:r>
           </a:p>
@@ -1776,37 +1787,38 @@
           <a:p>
             <a:pPr lvl="0"/>
             <a:r>
-              <a:rPr lang="fr-FR"/>
+              <a:rPr lang="fr-FR" smtClean="0"/>
               <a:t>Cliquez pour modifier les styles du texte du masque</a:t>
             </a:r>
           </a:p>
           <a:p>
             <a:pPr lvl="1"/>
             <a:r>
-              <a:rPr lang="fr-FR"/>
+              <a:rPr lang="fr-FR" smtClean="0"/>
               <a:t>Deuxième niveau</a:t>
             </a:r>
           </a:p>
           <a:p>
             <a:pPr lvl="2"/>
             <a:r>
-              <a:rPr lang="fr-FR"/>
+              <a:rPr lang="fr-FR" smtClean="0"/>
               <a:t>Troisième niveau</a:t>
             </a:r>
           </a:p>
           <a:p>
             <a:pPr lvl="3"/>
             <a:r>
-              <a:rPr lang="fr-FR"/>
+              <a:rPr lang="fr-FR" smtClean="0"/>
               <a:t>Quatrième niveau</a:t>
             </a:r>
           </a:p>
           <a:p>
             <a:pPr lvl="4"/>
             <a:r>
-              <a:rPr lang="fr-FR"/>
+              <a:rPr lang="fr-FR" smtClean="0"/>
               <a:t>Cinquième niveau</a:t>
             </a:r>
+            <a:endParaRPr lang="fr-FR"/>
           </a:p>
         </p:txBody>
       </p:sp>
@@ -1856,9 +1868,10 @@
           <a:lstStyle/>
           <a:p>
             <a:r>
-              <a:rPr lang="fr-FR"/>
+              <a:rPr lang="fr-FR" smtClean="0"/>
               <a:t>Cliquez pour modifier le style du titre</a:t>
             </a:r>
+            <a:endParaRPr lang="fr-FR"/>
           </a:p>
         </p:txBody>
       </p:sp>
@@ -1947,9 +1960,10 @@
           </a:lstStyle>
           <a:p>
             <a:r>
-              <a:rPr lang="fr-FR"/>
+              <a:rPr lang="fr-FR" smtClean="0"/>
               <a:t>Cliquez pour modifier le style du titre</a:t>
             </a:r>
+            <a:endParaRPr lang="fr-FR"/>
           </a:p>
         </p:txBody>
       </p:sp>
@@ -2003,37 +2017,38 @@
           <a:p>
             <a:pPr lvl="0"/>
             <a:r>
-              <a:rPr lang="fr-FR"/>
+              <a:rPr lang="fr-FR" smtClean="0"/>
               <a:t>Cliquez pour modifier les styles du texte du masque</a:t>
             </a:r>
           </a:p>
           <a:p>
             <a:pPr lvl="1"/>
             <a:r>
-              <a:rPr lang="fr-FR"/>
+              <a:rPr lang="fr-FR" smtClean="0"/>
               <a:t>Deuxième niveau</a:t>
             </a:r>
           </a:p>
           <a:p>
             <a:pPr lvl="2"/>
             <a:r>
-              <a:rPr lang="fr-FR"/>
+              <a:rPr lang="fr-FR" smtClean="0"/>
               <a:t>Troisième niveau</a:t>
             </a:r>
           </a:p>
           <a:p>
             <a:pPr lvl="3"/>
             <a:r>
-              <a:rPr lang="fr-FR"/>
+              <a:rPr lang="fr-FR" smtClean="0"/>
               <a:t>Quatrième niveau</a:t>
             </a:r>
           </a:p>
           <a:p>
             <a:pPr lvl="4"/>
             <a:r>
-              <a:rPr lang="fr-FR"/>
+              <a:rPr lang="fr-FR" smtClean="0"/>
               <a:t>Cinquième niveau</a:t>
             </a:r>
+            <a:endParaRPr lang="fr-FR"/>
           </a:p>
         </p:txBody>
       </p:sp>
@@ -2096,7 +2111,7 @@
           <a:p>
             <a:pPr lvl="0"/>
             <a:r>
-              <a:rPr lang="fr-FR"/>
+              <a:rPr lang="fr-FR" smtClean="0"/>
               <a:t>Cliquez pour modifier les styles du texte du masque</a:t>
             </a:r>
           </a:p>
@@ -2157,9 +2172,10 @@
           </a:lstStyle>
           <a:p>
             <a:r>
-              <a:rPr lang="fr-FR"/>
+              <a:rPr lang="fr-FR" smtClean="0"/>
               <a:t>Cliquez pour modifier le style du titre</a:t>
             </a:r>
+            <a:endParaRPr lang="fr-FR"/>
           </a:p>
         </p:txBody>
       </p:sp>
@@ -2221,7 +2237,7 @@
           </a:lstStyle>
           <a:p>
             <a:pPr lvl="0"/>
-            <a:endParaRPr lang="fr-FR" noProof="0"/>
+            <a:endParaRPr lang="fr-FR" noProof="0" smtClean="0"/>
           </a:p>
         </p:txBody>
       </p:sp>
@@ -2284,7 +2300,7 @@
           <a:p>
             <a:pPr lvl="0"/>
             <a:r>
-              <a:rPr lang="fr-FR"/>
+              <a:rPr lang="fr-FR" smtClean="0"/>
               <a:t>Cliquez pour modifier les styles du texte du masque</a:t>
             </a:r>
           </a:p>
@@ -2336,9 +2352,10 @@
           <a:lstStyle/>
           <a:p>
             <a:r>
-              <a:rPr lang="fr-FR"/>
+              <a:rPr lang="fr-FR" smtClean="0"/>
               <a:t>Cliquez pour modifier le style du titre</a:t>
             </a:r>
+            <a:endParaRPr lang="fr-FR"/>
           </a:p>
         </p:txBody>
       </p:sp>
@@ -2359,37 +2376,38 @@
           <a:p>
             <a:pPr lvl="0"/>
             <a:r>
-              <a:rPr lang="fr-FR"/>
+              <a:rPr lang="fr-FR" smtClean="0"/>
               <a:t>Cliquez pour modifier les styles du texte du masque</a:t>
             </a:r>
           </a:p>
           <a:p>
             <a:pPr lvl="1"/>
             <a:r>
-              <a:rPr lang="fr-FR"/>
+              <a:rPr lang="fr-FR" smtClean="0"/>
               <a:t>Deuxième niveau</a:t>
             </a:r>
           </a:p>
           <a:p>
             <a:pPr lvl="2"/>
             <a:r>
-              <a:rPr lang="fr-FR"/>
+              <a:rPr lang="fr-FR" smtClean="0"/>
               <a:t>Troisième niveau</a:t>
             </a:r>
           </a:p>
           <a:p>
             <a:pPr lvl="3"/>
             <a:r>
-              <a:rPr lang="fr-FR"/>
+              <a:rPr lang="fr-FR" smtClean="0"/>
               <a:t>Quatrième niveau</a:t>
             </a:r>
           </a:p>
           <a:p>
             <a:pPr lvl="4"/>
             <a:r>
-              <a:rPr lang="fr-FR"/>
+              <a:rPr lang="fr-FR" smtClean="0"/>
               <a:t>Cinquième niveau</a:t>
             </a:r>
+            <a:endParaRPr lang="fr-FR"/>
           </a:p>
         </p:txBody>
       </p:sp>
@@ -2570,7 +2588,7 @@
             <a:pPr eaLnBrk="1" hangingPunct="1">
               <a:defRPr/>
             </a:pPr>
-            <a:endParaRPr lang="fr-FR" altLang="fr-FR"/>
+            <a:endParaRPr lang="fr-FR" altLang="fr-FR" smtClean="0"/>
           </a:p>
         </p:txBody>
       </p:sp>
@@ -2724,7 +2742,7 @@
               <a:defRPr/>
             </a:pPr>
             <a:r>
-              <a:rPr lang="fr-FR" sz="1200" dirty="0"/>
+              <a:rPr lang="fr-FR" sz="1200" dirty="0" smtClean="0"/>
               <a:t>Page </a:t>
             </a:r>
             <a:fld id="{E218E9B1-FD08-4C80-902E-210BA2967D0D}" type="slidenum">
@@ -2737,7 +2755,7 @@
               </a:pPr>
               <a:t>‹N°›</a:t>
             </a:fld>
-            <a:endParaRPr lang="fr-FR" dirty="0">
+            <a:endParaRPr lang="fr-FR" dirty="0" smtClean="0">
               <a:latin typeface="Times New Roman" pitchFamily="18" charset="0"/>
             </a:endParaRPr>
           </a:p>
@@ -2893,10 +2911,10 @@
               <a:defRPr/>
             </a:pPr>
             <a:r>
-              <a:rPr lang="fr-FR" sz="1600" dirty="0"/>
+              <a:rPr lang="fr-FR" sz="1600" dirty="0" smtClean="0"/>
               <a:t>Python</a:t>
             </a:r>
-            <a:endParaRPr lang="fr-FR" dirty="0">
+            <a:endParaRPr lang="fr-FR" dirty="0" smtClean="0">
               <a:latin typeface="Times New Roman" pitchFamily="18" charset="0"/>
             </a:endParaRPr>
           </a:p>
@@ -2954,7 +2972,7 @@
           <a:p>
             <a:pPr lvl="0"/>
             <a:r>
-              <a:rPr lang="fr-FR" altLang="fr-FR"/>
+              <a:rPr lang="fr-FR" altLang="fr-FR" smtClean="0"/>
               <a:t>Cliquez pour modifier le style du titre du masque</a:t>
             </a:r>
           </a:p>
@@ -3012,35 +3030,35 @@
           <a:p>
             <a:pPr lvl="0"/>
             <a:r>
-              <a:rPr lang="fr-FR" altLang="fr-FR"/>
+              <a:rPr lang="fr-FR" altLang="fr-FR" smtClean="0"/>
               <a:t>Cliquez pour modifier les styles du texte du masque</a:t>
             </a:r>
           </a:p>
           <a:p>
             <a:pPr lvl="1"/>
             <a:r>
-              <a:rPr lang="fr-FR" altLang="fr-FR"/>
+              <a:rPr lang="fr-FR" altLang="fr-FR" smtClean="0"/>
               <a:t>Deuxième niveau</a:t>
             </a:r>
           </a:p>
           <a:p>
             <a:pPr lvl="2"/>
             <a:r>
-              <a:rPr lang="fr-FR" altLang="fr-FR"/>
+              <a:rPr lang="fr-FR" altLang="fr-FR" smtClean="0"/>
               <a:t>Troisième niveau</a:t>
             </a:r>
           </a:p>
           <a:p>
             <a:pPr lvl="3"/>
             <a:r>
-              <a:rPr lang="fr-FR" altLang="fr-FR"/>
+              <a:rPr lang="fr-FR" altLang="fr-FR" smtClean="0"/>
               <a:t>Quatrième niveau</a:t>
             </a:r>
           </a:p>
           <a:p>
             <a:pPr lvl="4"/>
             <a:r>
-              <a:rPr lang="fr-FR" altLang="fr-FR"/>
+              <a:rPr lang="fr-FR" altLang="fr-FR" smtClean="0"/>
               <a:t>Cinquième niveau</a:t>
             </a:r>
           </a:p>
@@ -3196,10 +3214,10 @@
               <a:defRPr/>
             </a:pPr>
             <a:r>
-              <a:rPr lang="fr-FR" sz="1200"/>
+              <a:rPr lang="fr-FR" sz="1200" smtClean="0"/>
               <a:t>© Cyril Vincent Conseil</a:t>
             </a:r>
-            <a:endParaRPr lang="fr-FR">
+            <a:endParaRPr lang="fr-FR" smtClean="0">
               <a:latin typeface="Times New Roman" pitchFamily="18" charset="0"/>
             </a:endParaRPr>
           </a:p>
@@ -3681,14 +3699,14 @@
           <a:p>
             <a:pPr eaLnBrk="1" hangingPunct="1"/>
             <a:r>
-              <a:rPr lang="fr-FR" altLang="fr-FR" dirty="0"/>
+              <a:rPr lang="fr-FR" altLang="fr-FR" dirty="0" smtClean="0"/>
               <a:t>Chapitre 20</a:t>
             </a:r>
           </a:p>
           <a:p>
             <a:pPr eaLnBrk="1" hangingPunct="1"/>
             <a:r>
-              <a:rPr lang="fr-FR" altLang="fr-FR" dirty="0"/>
+              <a:rPr lang="fr-FR" altLang="fr-FR" dirty="0" smtClean="0"/>
               <a:t>Math</a:t>
             </a:r>
           </a:p>
@@ -3740,6 +3758,13 @@
   <p:clrMapOvr>
     <a:masterClrMapping/>
   </p:clrMapOvr>
+  <p:timing>
+    <p:tnLst>
+      <p:par>
+        <p:cTn id="1" dur="indefinite" restart="never" nodeType="tmRoot"/>
+      </p:par>
+    </p:tnLst>
+  </p:timing>
 </p:sld>
 </file>
 
@@ -3777,15 +3802,20 @@
           <a:p>
             <a:r>
               <a:rPr lang="fr-FR" dirty="0"/>
-              <a:t>Transformation de Fourier</a:t>
+              <a:t>Transformation de </a:t>
+            </a:r>
+            <a:r>
+              <a:rPr lang="fr-FR" dirty="0" smtClean="0"/>
+              <a:t>Fourier</a:t>
             </a:r>
             <a:br>
-              <a:rPr lang="fr-FR" dirty="0"/>
+              <a:rPr lang="fr-FR" dirty="0" smtClean="0"/>
             </a:br>
             <a:r>
-              <a:rPr lang="fr-FR" dirty="0"/>
+              <a:rPr lang="fr-FR" dirty="0" smtClean="0"/>
               <a:t>Exemple simple</a:t>
             </a:r>
+            <a:endParaRPr lang="fr-FR" dirty="0"/>
           </a:p>
         </p:txBody>
       </p:sp>
@@ -3863,35 +3893,59 @@
           <a:p>
             <a:r>
               <a:rPr lang="fr-FR" sz="1600" dirty="0"/>
-              <a:t>La Transformée de Fourier Rapide (</a:t>
-            </a:r>
-            <a:r>
-              <a:rPr lang="fr-FR" sz="1600" b="1" dirty="0"/>
+              <a:t>La Transformée de Fourier </a:t>
+            </a:r>
+            <a:r>
+              <a:rPr lang="fr-FR" sz="1600" dirty="0" smtClean="0"/>
+              <a:t>Rapide (</a:t>
+            </a:r>
+            <a:r>
+              <a:rPr lang="fr-FR" sz="1600" b="1" dirty="0" smtClean="0"/>
               <a:t>FFT)</a:t>
             </a:r>
             <a:r>
+              <a:rPr lang="fr-FR" sz="1600" dirty="0" smtClean="0"/>
+              <a:t> </a:t>
+            </a:r>
+            <a:r>
               <a:rPr lang="fr-FR" sz="1600" dirty="0"/>
-              <a:t> est un </a:t>
-            </a:r>
-            <a:r>
-              <a:rPr lang="fr-FR" sz="1600" dirty="0" err="1"/>
+              <a:t>est un </a:t>
+            </a:r>
+            <a:r>
+              <a:rPr lang="fr-FR" sz="1600" dirty="0" err="1" smtClean="0"/>
               <a:t>algo</a:t>
             </a:r>
-            <a:endParaRPr lang="fr-FR" sz="1600" dirty="0"/>
-          </a:p>
-          <a:p>
+            <a:endParaRPr lang="fr-FR" sz="1600" dirty="0" smtClean="0"/>
+          </a:p>
+          <a:p>
+            <a:r>
+              <a:rPr lang="fr-FR" sz="1600" dirty="0" smtClean="0"/>
+              <a:t>qui </a:t>
+            </a:r>
             <a:r>
               <a:rPr lang="fr-FR" sz="1600" dirty="0"/>
-              <a:t>qui permet de calculer des Transformées de Fourier</a:t>
-            </a:r>
-          </a:p>
-          <a:p>
+              <a:t>permet de calculer des Transformées de </a:t>
+            </a:r>
+            <a:r>
+              <a:rPr lang="fr-FR" sz="1600" dirty="0" smtClean="0"/>
+              <a:t>Fourier</a:t>
+            </a:r>
+          </a:p>
+          <a:p>
+            <a:r>
+              <a:rPr lang="fr-FR" sz="1600" dirty="0" smtClean="0"/>
+              <a:t>Discrètes</a:t>
+            </a:r>
             <a:r>
               <a:rPr lang="fr-FR" sz="1600" dirty="0"/>
-              <a:t>Discrètes (</a:t>
-            </a:r>
-            <a:r>
-              <a:rPr lang="fr-FR" sz="1600" b="1" dirty="0"/>
+              <a:t> </a:t>
+            </a:r>
+            <a:r>
+              <a:rPr lang="fr-FR" sz="1600" dirty="0" smtClean="0"/>
+              <a:t>(</a:t>
+            </a:r>
+            <a:r>
+              <a:rPr lang="fr-FR" sz="1600" b="1" dirty="0" smtClean="0"/>
               <a:t>DFT)</a:t>
             </a:r>
           </a:p>
@@ -3943,7 +3997,7 @@
           <a:lstStyle/>
           <a:p>
             <a:r>
-              <a:rPr lang="fr-FR" dirty="0" err="1"/>
+              <a:rPr lang="fr-FR" dirty="0" err="1" smtClean="0"/>
               <a:t>Jupyter</a:t>
             </a:r>
             <a:endParaRPr lang="fr-FR" dirty="0"/>
@@ -3966,53 +4020,59 @@
           <a:lstStyle/>
           <a:p>
             <a:r>
-              <a:rPr lang="fr-FR" dirty="0"/>
-              <a:t>Développement et visualisation des résultats en ligne</a:t>
+              <a:rPr lang="fr-FR" dirty="0" smtClean="0"/>
+              <a:t>Développement et visualisation des résultats en </a:t>
+            </a:r>
+            <a:r>
+              <a:rPr lang="fr-FR" dirty="0" smtClean="0"/>
+              <a:t>ligne</a:t>
             </a:r>
           </a:p>
           <a:p>
             <a:pPr lvl="1"/>
             <a:r>
-              <a:rPr lang="fr-FR" dirty="0"/>
+              <a:rPr lang="fr-FR" dirty="0" smtClean="0"/>
               <a:t>Partage de code et de résultats en ligne</a:t>
             </a:r>
-          </a:p>
-          <a:p>
-            <a:r>
-              <a:rPr lang="fr-FR" dirty="0" err="1"/>
+            <a:endParaRPr lang="fr-FR" dirty="0" smtClean="0"/>
+          </a:p>
+          <a:p>
+            <a:r>
+              <a:rPr lang="fr-FR" dirty="0" err="1" smtClean="0"/>
               <a:t>Pip</a:t>
             </a:r>
             <a:r>
-              <a:rPr lang="fr-FR" dirty="0"/>
+              <a:rPr lang="fr-FR" dirty="0" smtClean="0"/>
               <a:t> </a:t>
             </a:r>
             <a:r>
-              <a:rPr lang="fr-FR" dirty="0" err="1"/>
+              <a:rPr lang="fr-FR" dirty="0" err="1" smtClean="0"/>
               <a:t>install</a:t>
             </a:r>
             <a:r>
-              <a:rPr lang="fr-FR" dirty="0"/>
+              <a:rPr lang="fr-FR" dirty="0" smtClean="0"/>
               <a:t> </a:t>
             </a:r>
             <a:r>
-              <a:rPr lang="fr-FR" dirty="0" err="1"/>
+              <a:rPr lang="fr-FR" dirty="0" err="1" smtClean="0"/>
               <a:t>jupyter</a:t>
             </a:r>
+            <a:endParaRPr lang="fr-FR" dirty="0" smtClean="0"/>
+          </a:p>
+          <a:p>
+            <a:r>
+              <a:rPr lang="fr-FR" dirty="0" smtClean="0"/>
+              <a:t>Python –m </a:t>
+            </a:r>
+            <a:r>
+              <a:rPr lang="fr-FR" dirty="0" err="1" smtClean="0"/>
+              <a:t>jupyter</a:t>
+            </a:r>
+            <a:r>
+              <a:rPr lang="fr-FR" dirty="0" smtClean="0"/>
+              <a:t> notebook</a:t>
+            </a:r>
             <a:endParaRPr lang="fr-FR" dirty="0"/>
-          </a:p>
-          <a:p>
-            <a:r>
-              <a:rPr lang="fr-FR" dirty="0"/>
-              <a:t>Python –m </a:t>
-            </a:r>
-            <a:r>
-              <a:rPr lang="fr-FR" dirty="0" err="1"/>
-              <a:t>jupyter</a:t>
-            </a:r>
-            <a:r>
-              <a:rPr lang="fr-FR" dirty="0"/>
-              <a:t> notebook</a:t>
-            </a:r>
           </a:p>
         </p:txBody>
       </p:sp>
@@ -4127,91 +4187,91 @@
           <a:lstStyle/>
           <a:p>
             <a:r>
-              <a:rPr lang="en-US" dirty="0" err="1"/>
+              <a:rPr lang="en-US" dirty="0" err="1" smtClean="0"/>
               <a:t>Outils</a:t>
             </a:r>
             <a:r>
-              <a:rPr lang="en-US" dirty="0"/>
+              <a:rPr lang="en-US" dirty="0" smtClean="0"/>
               <a:t> simples et </a:t>
             </a:r>
             <a:r>
-              <a:rPr lang="en-US" dirty="0" err="1"/>
+              <a:rPr lang="en-US" dirty="0" err="1" smtClean="0"/>
               <a:t>puissants</a:t>
             </a:r>
             <a:r>
-              <a:rPr lang="en-US" dirty="0"/>
+              <a:rPr lang="en-US" dirty="0" smtClean="0"/>
               <a:t> pour </a:t>
             </a:r>
             <a:r>
-              <a:rPr lang="en-US" dirty="0" err="1"/>
+              <a:rPr lang="en-US" dirty="0" err="1" smtClean="0"/>
               <a:t>l’analyse</a:t>
             </a:r>
             <a:r>
-              <a:rPr lang="en-US" dirty="0"/>
+              <a:rPr lang="en-US" dirty="0" smtClean="0"/>
               <a:t> des </a:t>
             </a:r>
             <a:r>
-              <a:rPr lang="en-US" dirty="0" err="1"/>
+              <a:rPr lang="en-US" dirty="0" err="1" smtClean="0"/>
               <a:t>données</a:t>
             </a:r>
             <a:r>
-              <a:rPr lang="en-US" dirty="0"/>
+              <a:rPr lang="en-US" dirty="0" smtClean="0"/>
               <a:t> et le data mining</a:t>
             </a:r>
           </a:p>
           <a:p>
             <a:r>
-              <a:rPr lang="en-US" dirty="0"/>
+              <a:rPr lang="en-US" dirty="0" smtClean="0"/>
               <a:t>IA</a:t>
             </a:r>
           </a:p>
           <a:p>
             <a:pPr lvl="1"/>
             <a:r>
-              <a:rPr lang="en-US" dirty="0" err="1"/>
+              <a:rPr lang="en-US" dirty="0" err="1" smtClean="0"/>
               <a:t>Détection</a:t>
             </a:r>
             <a:r>
-              <a:rPr lang="en-US" dirty="0"/>
+              <a:rPr lang="en-US" dirty="0" smtClean="0"/>
               <a:t> </a:t>
             </a:r>
             <a:r>
-              <a:rPr lang="en-US" dirty="0" err="1"/>
+              <a:rPr lang="en-US" dirty="0" err="1" smtClean="0"/>
               <a:t>automatique</a:t>
             </a:r>
             <a:r>
-              <a:rPr lang="en-US" dirty="0"/>
+              <a:rPr lang="en-US" dirty="0" smtClean="0"/>
               <a:t> de SPAM</a:t>
             </a:r>
           </a:p>
           <a:p>
             <a:pPr lvl="1"/>
             <a:r>
-              <a:rPr lang="en-US" dirty="0"/>
+              <a:rPr lang="en-US" dirty="0" smtClean="0"/>
               <a:t>Recommendation </a:t>
             </a:r>
             <a:r>
-              <a:rPr lang="en-US" dirty="0" err="1"/>
+              <a:rPr lang="en-US" dirty="0" err="1" smtClean="0"/>
               <a:t>automatique</a:t>
             </a:r>
             <a:r>
-              <a:rPr lang="en-US" dirty="0"/>
+              <a:rPr lang="en-US" dirty="0" smtClean="0"/>
               <a:t> de </a:t>
             </a:r>
             <a:r>
-              <a:rPr lang="en-US" dirty="0" err="1"/>
+              <a:rPr lang="en-US" dirty="0" err="1" smtClean="0"/>
               <a:t>morceaux</a:t>
             </a:r>
             <a:r>
-              <a:rPr lang="en-US" dirty="0"/>
+              <a:rPr lang="en-US" dirty="0" smtClean="0"/>
               <a:t> </a:t>
             </a:r>
             <a:r>
-              <a:rPr lang="en-US" dirty="0" err="1"/>
+              <a:rPr lang="en-US" dirty="0" err="1" smtClean="0"/>
               <a:t>musicaux</a:t>
             </a:r>
             <a:r>
-              <a:rPr lang="en-US" dirty="0"/>
+              <a:rPr lang="en-US" dirty="0" smtClean="0"/>
               <a:t> pour Spotify</a:t>
             </a:r>
           </a:p>
@@ -4267,9 +4327,10 @@
           <a:lstStyle/>
           <a:p>
             <a:r>
-              <a:rPr lang="fr-FR" dirty="0"/>
+              <a:rPr lang="fr-FR" dirty="0" smtClean="0"/>
               <a:t>Python et les Maths</a:t>
             </a:r>
+            <a:endParaRPr lang="fr-FR" dirty="0"/>
           </a:p>
         </p:txBody>
       </p:sp>
@@ -4289,48 +4350,49 @@
           <a:lstStyle/>
           <a:p>
             <a:r>
-              <a:rPr lang="fr-FR" dirty="0"/>
+              <a:rPr lang="fr-FR" dirty="0" smtClean="0"/>
               <a:t>Python a rencontré un grand succès dans le monde scientifique, mathématiques et de l’IA</a:t>
             </a:r>
           </a:p>
           <a:p>
             <a:r>
-              <a:rPr lang="fr-FR" dirty="0"/>
+              <a:rPr lang="fr-FR" dirty="0" smtClean="0"/>
               <a:t>De nombreux modules sont à disposition</a:t>
             </a:r>
           </a:p>
           <a:p>
             <a:pPr lvl="1"/>
             <a:r>
-              <a:rPr lang="fr-FR" dirty="0" err="1"/>
+              <a:rPr lang="fr-FR" dirty="0" err="1" smtClean="0"/>
               <a:t>Numpy</a:t>
             </a:r>
             <a:r>
-              <a:rPr lang="fr-FR" dirty="0"/>
+              <a:rPr lang="fr-FR" dirty="0" smtClean="0"/>
               <a:t>, </a:t>
             </a:r>
             <a:r>
-              <a:rPr lang="fr-FR" dirty="0" err="1"/>
+              <a:rPr lang="fr-FR" dirty="0" err="1" smtClean="0"/>
               <a:t>Scipy</a:t>
             </a:r>
             <a:r>
-              <a:rPr lang="fr-FR" dirty="0"/>
+              <a:rPr lang="fr-FR" dirty="0" smtClean="0"/>
               <a:t>, </a:t>
             </a:r>
             <a:r>
-              <a:rPr lang="fr-FR" dirty="0" err="1"/>
+              <a:rPr lang="fr-FR" dirty="0" err="1" smtClean="0"/>
               <a:t>Scikit-learn</a:t>
             </a:r>
             <a:r>
-              <a:rPr lang="fr-FR" dirty="0"/>
+              <a:rPr lang="fr-FR" dirty="0" smtClean="0"/>
               <a:t>, …</a:t>
             </a:r>
           </a:p>
           <a:p>
             <a:r>
-              <a:rPr lang="fr-FR" dirty="0"/>
+              <a:rPr lang="fr-FR" dirty="0" smtClean="0"/>
               <a:t>Le module math possède les méthodes de base</a:t>
             </a:r>
+            <a:endParaRPr lang="fr-FR" dirty="0"/>
           </a:p>
         </p:txBody>
       </p:sp>
@@ -4368,6 +4430,13 @@
   <p:clrMapOvr>
     <a:masterClrMapping/>
   </p:clrMapOvr>
+  <p:timing>
+    <p:tnLst>
+      <p:par>
+        <p:cTn id="1" dur="indefinite" restart="never" nodeType="tmRoot"/>
+      </p:par>
+    </p:tnLst>
+  </p:timing>
 </p:sld>
 </file>
 
@@ -4404,61 +4473,62 @@
           <a:lstStyle/>
           <a:p>
             <a:r>
-              <a:rPr lang="en-US" dirty="0" err="1"/>
+              <a:rPr lang="en-US" dirty="0" err="1" smtClean="0"/>
               <a:t>NumPy</a:t>
             </a:r>
             <a:r>
-              <a:rPr lang="en-US" dirty="0"/>
+              <a:rPr lang="en-US" dirty="0" smtClean="0"/>
               <a:t> </a:t>
             </a:r>
             <a:r>
-              <a:rPr lang="en-US" dirty="0" err="1"/>
+              <a:rPr lang="en-US" dirty="0" err="1" smtClean="0"/>
               <a:t>est</a:t>
             </a:r>
             <a:r>
-              <a:rPr lang="en-US" dirty="0"/>
+              <a:rPr lang="en-US" dirty="0" smtClean="0"/>
               <a:t> un module </a:t>
             </a:r>
             <a:r>
-              <a:rPr lang="en-US" dirty="0" err="1"/>
+              <a:rPr lang="en-US" dirty="0" err="1" smtClean="0"/>
               <a:t>scientifique</a:t>
             </a:r>
             <a:r>
-              <a:rPr lang="en-US" dirty="0"/>
+              <a:rPr lang="en-US" dirty="0" smtClean="0"/>
               <a:t> de </a:t>
             </a:r>
             <a:r>
-              <a:rPr lang="en-US" dirty="0" err="1"/>
+              <a:rPr lang="en-US" dirty="0" err="1" smtClean="0"/>
               <a:t>calcul</a:t>
             </a:r>
             <a:r>
-              <a:rPr lang="en-US" dirty="0"/>
+              <a:rPr lang="en-US" dirty="0" smtClean="0"/>
               <a:t> qui </a:t>
             </a:r>
             <a:r>
-              <a:rPr lang="en-US" dirty="0" err="1"/>
+              <a:rPr lang="en-US" dirty="0" err="1" smtClean="0"/>
               <a:t>peut</a:t>
             </a:r>
             <a:r>
-              <a:rPr lang="en-US" dirty="0"/>
+              <a:rPr lang="en-US" dirty="0" smtClean="0"/>
               <a:t> :</a:t>
             </a:r>
+            <a:endParaRPr lang="en-US" dirty="0"/>
           </a:p>
           <a:p>
             <a:pPr lvl="1"/>
             <a:r>
-              <a:rPr lang="en-US" dirty="0" err="1"/>
+              <a:rPr lang="en-US" dirty="0" err="1" smtClean="0"/>
               <a:t>Algèbre</a:t>
             </a:r>
             <a:r>
-              <a:rPr lang="en-US" dirty="0"/>
+              <a:rPr lang="en-US" dirty="0" smtClean="0"/>
               <a:t> </a:t>
             </a:r>
             <a:r>
-              <a:rPr lang="en-US" dirty="0" err="1"/>
+              <a:rPr lang="en-US" dirty="0" err="1" smtClean="0"/>
               <a:t>linéaire</a:t>
             </a:r>
-            <a:endParaRPr lang="en-US" dirty="0"/>
+            <a:endParaRPr lang="en-US" dirty="0" smtClean="0"/>
           </a:p>
           <a:p>
             <a:pPr lvl="1"/>
@@ -4474,30 +4544,31 @@
               <a:rPr lang="en-US" dirty="0"/>
               <a:t> as np</a:t>
             </a:r>
+            <a:endParaRPr lang="en-US" dirty="0" smtClean="0"/>
           </a:p>
           <a:p>
             <a:pPr lvl="1"/>
             <a:r>
-              <a:rPr lang="en-US" dirty="0"/>
+              <a:rPr lang="en-US" dirty="0" smtClean="0"/>
               <a:t>Travail sur des </a:t>
             </a:r>
             <a:r>
-              <a:rPr lang="en-US" dirty="0" err="1"/>
+              <a:rPr lang="en-US" dirty="0" err="1" smtClean="0"/>
               <a:t>np.array</a:t>
             </a:r>
-            <a:endParaRPr lang="en-US" dirty="0"/>
+            <a:endParaRPr lang="en-US" dirty="0" smtClean="0"/>
           </a:p>
           <a:p>
             <a:pPr lvl="1"/>
             <a:r>
-              <a:rPr lang="en-US" dirty="0"/>
+              <a:rPr lang="en-US" dirty="0" smtClean="0"/>
               <a:t>PIP install </a:t>
             </a:r>
             <a:r>
-              <a:rPr lang="en-US" dirty="0" err="1"/>
+              <a:rPr lang="en-US" dirty="0" err="1" smtClean="0"/>
               <a:t>numpy</a:t>
             </a:r>
-            <a:endParaRPr lang="en-US" dirty="0"/>
+            <a:endParaRPr lang="en-US" dirty="0" smtClean="0"/>
           </a:p>
           <a:p>
             <a:pPr lvl="1"/>
@@ -4599,9 +4670,10 @@
           <a:lstStyle/>
           <a:p>
             <a:r>
-              <a:rPr lang="fr-FR" dirty="0"/>
+              <a:rPr lang="fr-FR" dirty="0" smtClean="0"/>
               <a:t>Matrices</a:t>
             </a:r>
+            <a:endParaRPr lang="fr-FR" dirty="0"/>
           </a:p>
         </p:txBody>
       </p:sp>
@@ -4621,7 +4693,7 @@
           <a:lstStyle/>
           <a:p>
             <a:r>
-              <a:rPr lang="fr-FR" dirty="0"/>
+              <a:rPr lang="fr-FR" dirty="0" smtClean="0"/>
               <a:t>Tableaux à 2 dimensions</a:t>
             </a:r>
           </a:p>
@@ -4629,75 +4701,80 @@
             <a:endParaRPr lang="fr-FR" dirty="0"/>
           </a:p>
           <a:p>
+            <a:endParaRPr lang="fr-FR" dirty="0" smtClean="0"/>
+          </a:p>
+          <a:p>
             <a:endParaRPr lang="fr-FR" dirty="0"/>
           </a:p>
           <a:p>
+            <a:r>
+              <a:rPr lang="fr-FR" dirty="0" smtClean="0"/>
+              <a:t>Matrices particulières</a:t>
+            </a:r>
+          </a:p>
+          <a:p>
+            <a:pPr lvl="1"/>
+            <a:r>
+              <a:rPr lang="fr-FR" dirty="0" err="1" smtClean="0"/>
+              <a:t>zeros</a:t>
+            </a:r>
+            <a:r>
+              <a:rPr lang="fr-FR" dirty="0" smtClean="0"/>
+              <a:t>(n) : remplie de 0</a:t>
+            </a:r>
+          </a:p>
+          <a:p>
+            <a:pPr lvl="1"/>
+            <a:r>
+              <a:rPr lang="fr-FR" dirty="0" smtClean="0"/>
+              <a:t>one(n) : remplie de 1</a:t>
+            </a:r>
+          </a:p>
+          <a:p>
+            <a:pPr lvl="1"/>
+            <a:r>
+              <a:rPr lang="fr-FR" dirty="0" err="1" smtClean="0"/>
+              <a:t>eye</a:t>
+            </a:r>
+            <a:r>
+              <a:rPr lang="fr-FR" dirty="0" smtClean="0"/>
+              <a:t>(n) : 1 en diagonale, 0 ailleurs</a:t>
+            </a:r>
+          </a:p>
+          <a:p>
+            <a:pPr lvl="1"/>
+            <a:r>
+              <a:rPr lang="fr-FR" dirty="0" err="1" smtClean="0"/>
+              <a:t>diag</a:t>
+            </a:r>
+            <a:r>
+              <a:rPr lang="fr-FR" dirty="0" smtClean="0"/>
+              <a:t>(</a:t>
+            </a:r>
+            <a:r>
+              <a:rPr lang="fr-FR" dirty="0" err="1" smtClean="0"/>
+              <a:t>v,k</a:t>
+            </a:r>
+            <a:r>
+              <a:rPr lang="fr-FR" dirty="0" smtClean="0"/>
+              <a:t>) : vecteur v en diagonal décalé de k</a:t>
+            </a:r>
+          </a:p>
+          <a:p>
+            <a:pPr lvl="1"/>
+            <a:r>
+              <a:rPr lang="fr-FR" dirty="0" err="1"/>
+              <a:t>r</a:t>
+            </a:r>
+            <a:r>
+              <a:rPr lang="fr-FR" dirty="0" err="1" smtClean="0"/>
+              <a:t>andom.rand</a:t>
+            </a:r>
+            <a:r>
+              <a:rPr lang="fr-FR" dirty="0" smtClean="0"/>
+              <a:t>(n) : aléatoire</a:t>
+            </a:r>
             <a:endParaRPr lang="fr-FR" dirty="0"/>
-          </a:p>
-          <a:p>
-            <a:r>
-              <a:rPr lang="fr-FR" dirty="0"/>
-              <a:t>Matrices particulières</a:t>
-            </a:r>
-          </a:p>
-          <a:p>
-            <a:pPr lvl="1"/>
-            <a:r>
-              <a:rPr lang="fr-FR" dirty="0" err="1"/>
-              <a:t>zeros</a:t>
-            </a:r>
-            <a:r>
-              <a:rPr lang="fr-FR" dirty="0"/>
-              <a:t>(n) : remplie de 0</a:t>
-            </a:r>
-          </a:p>
-          <a:p>
-            <a:pPr lvl="1"/>
-            <a:r>
-              <a:rPr lang="fr-FR" dirty="0"/>
-              <a:t>one(n) : remplie de 1</a:t>
-            </a:r>
-          </a:p>
-          <a:p>
-            <a:pPr lvl="1"/>
-            <a:r>
-              <a:rPr lang="fr-FR" dirty="0" err="1"/>
-              <a:t>eye</a:t>
-            </a:r>
-            <a:r>
-              <a:rPr lang="fr-FR" dirty="0"/>
-              <a:t>(n) : 1 en diagonale, 0 ailleurs</a:t>
-            </a:r>
-          </a:p>
-          <a:p>
-            <a:pPr lvl="1"/>
-            <a:r>
-              <a:rPr lang="fr-FR" dirty="0" err="1"/>
-              <a:t>diag</a:t>
-            </a:r>
-            <a:r>
-              <a:rPr lang="fr-FR" dirty="0"/>
-              <a:t>(</a:t>
-            </a:r>
-            <a:r>
-              <a:rPr lang="fr-FR" dirty="0" err="1"/>
-              <a:t>v,k</a:t>
-            </a:r>
-            <a:r>
-              <a:rPr lang="fr-FR" dirty="0"/>
-              <a:t>) : vecteur v en diagonal décalé de k</a:t>
-            </a:r>
-          </a:p>
-          <a:p>
-            <a:pPr lvl="1"/>
-            <a:r>
-              <a:rPr lang="fr-FR" dirty="0" err="1"/>
-              <a:t>random.rand</a:t>
-            </a:r>
-            <a:r>
-              <a:rPr lang="fr-FR" dirty="0"/>
-              <a:t>(n) : aléatoire</a:t>
-            </a:r>
           </a:p>
           <a:p>
             <a:pPr lvl="1"/>
@@ -4799,9 +4876,10 @@
           <a:lstStyle/>
           <a:p>
             <a:r>
-              <a:rPr lang="fr-FR" dirty="0"/>
+              <a:rPr lang="fr-FR" dirty="0" smtClean="0"/>
               <a:t>Calcul Matriciel</a:t>
             </a:r>
+            <a:endParaRPr lang="fr-FR" dirty="0"/>
           </a:p>
         </p:txBody>
       </p:sp>
@@ -4821,7 +4899,7 @@
           <a:lstStyle/>
           <a:p>
             <a:r>
-              <a:rPr lang="fr-FR" dirty="0"/>
+              <a:rPr lang="fr-FR" dirty="0" smtClean="0"/>
               <a:t>Les opérateurs standard sont surchargés</a:t>
             </a:r>
           </a:p>
@@ -4829,42 +4907,46 @@
             <a:endParaRPr lang="fr-FR" dirty="0"/>
           </a:p>
           <a:p>
+            <a:endParaRPr lang="fr-FR" dirty="0" smtClean="0"/>
+          </a:p>
+          <a:p>
             <a:endParaRPr lang="fr-FR" dirty="0"/>
           </a:p>
           <a:p>
-            <a:endParaRPr lang="fr-FR" dirty="0"/>
-          </a:p>
-          <a:p>
             <a:r>
               <a:rPr lang="fr-FR" dirty="0" err="1"/>
-              <a:t>reshape</a:t>
-            </a:r>
-            <a:r>
-              <a:rPr lang="fr-FR" dirty="0"/>
+              <a:t>r</a:t>
+            </a:r>
+            <a:r>
+              <a:rPr lang="fr-FR" dirty="0" err="1" smtClean="0"/>
+              <a:t>eshape</a:t>
+            </a:r>
+            <a:r>
+              <a:rPr lang="fr-FR" dirty="0" smtClean="0"/>
               <a:t> redimensionne la matrice</a:t>
             </a:r>
           </a:p>
           <a:p>
             <a:r>
-              <a:rPr lang="fr-FR" dirty="0" err="1"/>
+              <a:rPr lang="fr-FR" dirty="0" err="1" smtClean="0"/>
               <a:t>linalg.inv</a:t>
             </a:r>
             <a:r>
-              <a:rPr lang="fr-FR" dirty="0"/>
+              <a:rPr lang="fr-FR" dirty="0" smtClean="0"/>
               <a:t> inverse une matrice</a:t>
             </a:r>
           </a:p>
           <a:p>
             <a:pPr lvl="1"/>
             <a:r>
-              <a:rPr lang="fr-FR" dirty="0"/>
+              <a:rPr lang="fr-FR" dirty="0" smtClean="0"/>
               <a:t>Vérifier d’abord si elle est inversable avec </a:t>
             </a:r>
             <a:r>
-              <a:rPr lang="fr-FR" dirty="0" err="1"/>
+              <a:rPr lang="fr-FR" dirty="0" err="1" smtClean="0"/>
               <a:t>rank</a:t>
             </a:r>
-            <a:endParaRPr lang="fr-FR" dirty="0"/>
+            <a:endParaRPr lang="fr-FR" dirty="0" smtClean="0"/>
           </a:p>
           <a:p>
             <a:pPr lvl="1"/>
@@ -4966,54 +5048,59 @@
           <a:lstStyle/>
           <a:p>
             <a:r>
-              <a:rPr lang="fr-FR" dirty="0" err="1"/>
+              <a:rPr lang="fr-FR" dirty="0" err="1" smtClean="0"/>
               <a:t>SciPy</a:t>
             </a:r>
             <a:r>
+              <a:rPr lang="fr-FR" dirty="0" smtClean="0"/>
+              <a:t> est un écosystème scientifique</a:t>
+            </a:r>
+          </a:p>
+          <a:p>
+            <a:pPr lvl="1"/>
+            <a:r>
+              <a:rPr lang="fr-FR" dirty="0" smtClean="0"/>
+              <a:t>Contient </a:t>
+            </a:r>
+            <a:r>
+              <a:rPr lang="fr-FR" dirty="0" err="1" smtClean="0"/>
+              <a:t>NumPy</a:t>
+            </a:r>
+            <a:endParaRPr lang="fr-FR" dirty="0" smtClean="0"/>
+          </a:p>
+          <a:p>
+            <a:pPr lvl="1"/>
+            <a:r>
+              <a:rPr lang="fr-FR" dirty="0" err="1" smtClean="0"/>
+              <a:t>MathplotLib</a:t>
+            </a:r>
+            <a:r>
               <a:rPr lang="fr-FR" dirty="0"/>
-              <a:t> est un écosystème scientifique</a:t>
+              <a:t> </a:t>
+            </a:r>
+            <a:r>
+              <a:rPr lang="fr-FR" dirty="0" smtClean="0"/>
+              <a:t>: librairie graphique 2D</a:t>
             </a:r>
           </a:p>
           <a:p>
             <a:pPr lvl="1"/>
             <a:r>
-              <a:rPr lang="fr-FR" dirty="0"/>
-              <a:t>Contient </a:t>
-            </a:r>
-            <a:r>
-              <a:rPr lang="fr-FR" dirty="0" err="1"/>
-              <a:t>NumPy</a:t>
+              <a:rPr lang="fr-FR" dirty="0" err="1" smtClean="0"/>
+              <a:t>Sympy</a:t>
+            </a:r>
+            <a:r>
+              <a:rPr lang="fr-FR" dirty="0" smtClean="0"/>
+              <a:t> : Symboles mathématiques</a:t>
+            </a:r>
+          </a:p>
+          <a:p>
+            <a:pPr lvl="1"/>
+            <a:r>
+              <a:rPr lang="fr-FR" dirty="0" smtClean="0"/>
+              <a:t>Pandas : Analyses de structures de données (BI)</a:t>
             </a:r>
             <a:endParaRPr lang="fr-FR" dirty="0"/>
-          </a:p>
-          <a:p>
-            <a:pPr lvl="1"/>
-            <a:r>
-              <a:rPr lang="fr-FR" dirty="0" err="1"/>
-              <a:t>MatplotLib</a:t>
-            </a:r>
-            <a:r>
-              <a:rPr lang="fr-FR" dirty="0"/>
-              <a:t> : librairie graphique 2D</a:t>
-            </a:r>
-          </a:p>
-          <a:p>
-            <a:pPr lvl="1"/>
-            <a:r>
-              <a:rPr lang="fr-FR" dirty="0" err="1"/>
-              <a:t>Sympy</a:t>
-            </a:r>
-            <a:r>
-              <a:rPr lang="fr-FR" dirty="0"/>
-              <a:t> : Symbolique mathématiques</a:t>
-            </a:r>
-          </a:p>
-          <a:p>
-            <a:pPr lvl="1"/>
-            <a:r>
-              <a:rPr lang="fr-FR" dirty="0"/>
-              <a:t>Pandas : Analyses de structures de données (BI)</a:t>
-            </a:r>
           </a:p>
         </p:txBody>
       </p:sp>
@@ -5110,34 +5197,34 @@
           <a:lstStyle/>
           <a:p>
             <a:r>
-              <a:rPr lang="fr-FR" dirty="0"/>
+              <a:rPr lang="fr-FR" dirty="0" smtClean="0"/>
               <a:t>Graphes</a:t>
             </a:r>
           </a:p>
           <a:p>
             <a:r>
-              <a:rPr lang="fr-FR" dirty="0"/>
+              <a:rPr lang="fr-FR" dirty="0" smtClean="0"/>
               <a:t>Permet de faire des graphes simples</a:t>
             </a:r>
           </a:p>
           <a:p>
             <a:r>
-              <a:rPr lang="fr-FR" dirty="0"/>
+              <a:rPr lang="fr-FR" dirty="0" smtClean="0"/>
               <a:t>PIP </a:t>
             </a:r>
             <a:r>
-              <a:rPr lang="fr-FR" dirty="0" err="1"/>
+              <a:rPr lang="fr-FR" dirty="0" err="1" smtClean="0"/>
               <a:t>install</a:t>
             </a:r>
             <a:r>
-              <a:rPr lang="fr-FR" dirty="0"/>
+              <a:rPr lang="fr-FR" dirty="0" smtClean="0"/>
               <a:t> </a:t>
             </a:r>
             <a:r>
-              <a:rPr lang="fr-FR" dirty="0" err="1"/>
+              <a:rPr lang="fr-FR" dirty="0" err="1" smtClean="0"/>
               <a:t>matplotlib</a:t>
             </a:r>
-            <a:endParaRPr lang="fr-FR" dirty="0"/>
+            <a:endParaRPr lang="fr-FR" dirty="0" smtClean="0"/>
           </a:p>
           <a:p>
             <a:endParaRPr lang="fr-FR" dirty="0"/>
@@ -5255,9 +5342,10 @@
           <a:lstStyle/>
           <a:p>
             <a:r>
-              <a:rPr lang="fr-FR" dirty="0"/>
+              <a:rPr lang="fr-FR" dirty="0" smtClean="0"/>
               <a:t>Axes</a:t>
             </a:r>
+            <a:endParaRPr lang="fr-FR" dirty="0"/>
           </a:p>
         </p:txBody>
       </p:sp>
@@ -5374,9 +5462,10 @@
           <a:lstStyle/>
           <a:p>
             <a:r>
-              <a:rPr lang="fr-FR" dirty="0"/>
+              <a:rPr lang="fr-FR" dirty="0" smtClean="0"/>
               <a:t>Figures multiples</a:t>
             </a:r>
+            <a:endParaRPr lang="fr-FR" dirty="0"/>
           </a:p>
         </p:txBody>
       </p:sp>
@@ -5401,47 +5490,47 @@
           <a:lstStyle/>
           <a:p>
             <a:r>
-              <a:rPr lang="fr-FR" sz="2400" dirty="0"/>
+              <a:rPr lang="fr-FR" sz="2400" dirty="0" smtClean="0"/>
               <a:t>Figure</a:t>
             </a:r>
           </a:p>
           <a:p>
             <a:pPr lvl="1"/>
             <a:r>
-              <a:rPr lang="fr-FR" sz="2000" dirty="0"/>
+              <a:rPr lang="fr-FR" sz="2000" dirty="0" smtClean="0"/>
               <a:t>Regroupe plusieurs graphes</a:t>
             </a:r>
           </a:p>
           <a:p>
             <a:r>
-              <a:rPr lang="fr-FR" sz="2400" dirty="0" err="1"/>
+              <a:rPr lang="fr-FR" sz="2400" dirty="0" err="1" smtClean="0"/>
               <a:t>Subplot</a:t>
             </a:r>
             <a:r>
-              <a:rPr lang="fr-FR" sz="2400" dirty="0"/>
+              <a:rPr lang="fr-FR" sz="2400" dirty="0" smtClean="0"/>
               <a:t>(</a:t>
             </a:r>
             <a:r>
-              <a:rPr lang="fr-FR" sz="2400" dirty="0" err="1"/>
+              <a:rPr lang="fr-FR" sz="2400" dirty="0" err="1" smtClean="0"/>
               <a:t>xyz</a:t>
             </a:r>
             <a:r>
-              <a:rPr lang="fr-FR" sz="2400" dirty="0"/>
+              <a:rPr lang="fr-FR" sz="2400" dirty="0" smtClean="0"/>
               <a:t>)</a:t>
             </a:r>
           </a:p>
           <a:p>
             <a:pPr lvl="1"/>
             <a:r>
-              <a:rPr lang="fr-FR" sz="2000" dirty="0"/>
+              <a:rPr lang="fr-FR" sz="2000" dirty="0" smtClean="0"/>
               <a:t>Graphe en x lignes y colonnes et </a:t>
             </a:r>
             <a:r>
-              <a:rPr lang="fr-FR" sz="2000" dirty="0" err="1"/>
+              <a:rPr lang="fr-FR" sz="2000" dirty="0" err="1" smtClean="0"/>
               <a:t>selectionne</a:t>
             </a:r>
             <a:r>
-              <a:rPr lang="fr-FR" sz="2000" dirty="0"/>
+              <a:rPr lang="fr-FR" sz="2000" dirty="0" smtClean="0"/>
               <a:t> l’emplacement z pour les instructions suivantes</a:t>
             </a:r>
           </a:p>
